--- a/MSAI.pptx
+++ b/MSAI.pptx
@@ -104,6 +104,11 @@
       </a:defRPr>
     </a:lvl9pPr>
   </p:defaultTextStyle>
+  <p:extLst>
+    <p:ext uri="{EFAFB233-063F-42B5-8137-9DF3F51BA10A}">
+      <p15:sldGuideLst xmlns:p15="http://schemas.microsoft.com/office/powerpoint/2012/main"/>
+    </p:ext>
+  </p:extLst>
 </p:presentation>
 </file>
 
@@ -836,6 +841,757 @@
   <dgm:styleLbl name="revTx">
     <dgm:fillClrLst meth="repeat">
       <a:schemeClr val="lt1">
+        <a:alpha val="0"/>
+      </a:schemeClr>
+    </dgm:fillClrLst>
+    <dgm:linClrLst meth="repeat">
+      <a:schemeClr val="dk1">
+        <a:alpha val="0"/>
+      </a:schemeClr>
+    </dgm:linClrLst>
+    <dgm:effectClrLst/>
+    <dgm:txLinClrLst/>
+    <dgm:txFillClrLst meth="repeat">
+      <a:schemeClr val="tx1"/>
+    </dgm:txFillClrLst>
+    <dgm:txEffectClrLst/>
+  </dgm:styleLbl>
+</dgm:colorsDef>
+</file>
+
+<file path=ppt/diagrams/colors2.xml><?xml version="1.0" encoding="utf-8"?>
+<dgm:colorsDef xmlns:dgm="http://schemas.openxmlformats.org/drawingml/2006/diagram" xmlns:a="http://schemas.openxmlformats.org/drawingml/2006/main" uniqueId="urn:microsoft.com/office/officeart/2005/8/colors/accent0_3">
+  <dgm:title val=""/>
+  <dgm:desc val=""/>
+  <dgm:catLst>
+    <dgm:cat type="mainScheme" pri="10300"/>
+  </dgm:catLst>
+  <dgm:styleLbl name="node0">
+    <dgm:fillClrLst meth="repeat">
+      <a:schemeClr val="dk2"/>
+    </dgm:fillClrLst>
+    <dgm:linClrLst meth="repeat">
+      <a:schemeClr val="lt2"/>
+    </dgm:linClrLst>
+    <dgm:effectClrLst/>
+    <dgm:txLinClrLst/>
+    <dgm:txFillClrLst/>
+    <dgm:txEffectClrLst/>
+  </dgm:styleLbl>
+  <dgm:styleLbl name="alignNode1">
+    <dgm:fillClrLst meth="repeat">
+      <a:schemeClr val="dk2"/>
+    </dgm:fillClrLst>
+    <dgm:linClrLst meth="repeat">
+      <a:schemeClr val="dk2"/>
+    </dgm:linClrLst>
+    <dgm:effectClrLst/>
+    <dgm:txLinClrLst/>
+    <dgm:txFillClrLst/>
+    <dgm:txEffectClrLst/>
+  </dgm:styleLbl>
+  <dgm:styleLbl name="node1">
+    <dgm:fillClrLst meth="repeat">
+      <a:schemeClr val="dk2"/>
+    </dgm:fillClrLst>
+    <dgm:linClrLst meth="repeat">
+      <a:schemeClr val="lt2"/>
+    </dgm:linClrLst>
+    <dgm:effectClrLst/>
+    <dgm:txLinClrLst/>
+    <dgm:txFillClrLst/>
+    <dgm:txEffectClrLst/>
+  </dgm:styleLbl>
+  <dgm:styleLbl name="lnNode1">
+    <dgm:fillClrLst meth="repeat">
+      <a:schemeClr val="dk2"/>
+    </dgm:fillClrLst>
+    <dgm:linClrLst meth="repeat">
+      <a:schemeClr val="lt2"/>
+    </dgm:linClrLst>
+    <dgm:effectClrLst/>
+    <dgm:txLinClrLst/>
+    <dgm:txFillClrLst/>
+    <dgm:txEffectClrLst/>
+  </dgm:styleLbl>
+  <dgm:styleLbl name="vennNode1">
+    <dgm:fillClrLst meth="repeat">
+      <a:schemeClr val="dk2">
+        <a:alpha val="50000"/>
+      </a:schemeClr>
+    </dgm:fillClrLst>
+    <dgm:linClrLst meth="repeat">
+      <a:schemeClr val="lt2"/>
+    </dgm:linClrLst>
+    <dgm:effectClrLst/>
+    <dgm:txLinClrLst/>
+    <dgm:txFillClrLst/>
+    <dgm:txEffectClrLst/>
+  </dgm:styleLbl>
+  <dgm:styleLbl name="node2">
+    <dgm:fillClrLst meth="repeat">
+      <a:schemeClr val="dk2"/>
+    </dgm:fillClrLst>
+    <dgm:linClrLst meth="repeat">
+      <a:schemeClr val="lt2"/>
+    </dgm:linClrLst>
+    <dgm:effectClrLst/>
+    <dgm:txLinClrLst/>
+    <dgm:txFillClrLst/>
+    <dgm:txEffectClrLst/>
+  </dgm:styleLbl>
+  <dgm:styleLbl name="node3">
+    <dgm:fillClrLst meth="repeat">
+      <a:schemeClr val="dk2"/>
+    </dgm:fillClrLst>
+    <dgm:linClrLst meth="repeat">
+      <a:schemeClr val="lt2"/>
+    </dgm:linClrLst>
+    <dgm:effectClrLst/>
+    <dgm:txLinClrLst/>
+    <dgm:txFillClrLst/>
+    <dgm:txEffectClrLst/>
+  </dgm:styleLbl>
+  <dgm:styleLbl name="node4">
+    <dgm:fillClrLst meth="repeat">
+      <a:schemeClr val="dk2"/>
+    </dgm:fillClrLst>
+    <dgm:linClrLst meth="repeat">
+      <a:schemeClr val="lt2"/>
+    </dgm:linClrLst>
+    <dgm:effectClrLst/>
+    <dgm:txLinClrLst/>
+    <dgm:txFillClrLst/>
+    <dgm:txEffectClrLst/>
+  </dgm:styleLbl>
+  <dgm:styleLbl name="fgImgPlace1">
+    <dgm:fillClrLst meth="repeat">
+      <a:schemeClr val="dk2">
+        <a:tint val="50000"/>
+      </a:schemeClr>
+    </dgm:fillClrLst>
+    <dgm:linClrLst meth="repeat">
+      <a:schemeClr val="lt2"/>
+    </dgm:linClrLst>
+    <dgm:effectClrLst/>
+    <dgm:txLinClrLst/>
+    <dgm:txFillClrLst meth="repeat">
+      <a:schemeClr val="lt2"/>
+    </dgm:txFillClrLst>
+    <dgm:txEffectClrLst/>
+  </dgm:styleLbl>
+  <dgm:styleLbl name="alignImgPlace1">
+    <dgm:fillClrLst meth="repeat">
+      <a:schemeClr val="dk2">
+        <a:tint val="50000"/>
+      </a:schemeClr>
+    </dgm:fillClrLst>
+    <dgm:linClrLst meth="repeat">
+      <a:schemeClr val="dk2">
+        <a:shade val="80000"/>
+      </a:schemeClr>
+    </dgm:linClrLst>
+    <dgm:effectClrLst/>
+    <dgm:txLinClrLst/>
+    <dgm:txFillClrLst meth="repeat">
+      <a:schemeClr val="lt2"/>
+    </dgm:txFillClrLst>
+    <dgm:txEffectClrLst/>
+  </dgm:styleLbl>
+  <dgm:styleLbl name="bgImgPlace1">
+    <dgm:fillClrLst meth="repeat">
+      <a:schemeClr val="dk2">
+        <a:tint val="50000"/>
+      </a:schemeClr>
+    </dgm:fillClrLst>
+    <dgm:linClrLst meth="repeat">
+      <a:schemeClr val="dk2">
+        <a:shade val="80000"/>
+      </a:schemeClr>
+    </dgm:linClrLst>
+    <dgm:effectClrLst/>
+    <dgm:txLinClrLst/>
+    <dgm:txFillClrLst meth="repeat">
+      <a:schemeClr val="lt2"/>
+    </dgm:txFillClrLst>
+    <dgm:txEffectClrLst/>
+  </dgm:styleLbl>
+  <dgm:styleLbl name="sibTrans2D1">
+    <dgm:fillClrLst meth="repeat">
+      <a:schemeClr val="dk2">
+        <a:tint val="60000"/>
+      </a:schemeClr>
+    </dgm:fillClrLst>
+    <dgm:linClrLst meth="repeat">
+      <a:schemeClr val="dk2">
+        <a:tint val="60000"/>
+      </a:schemeClr>
+    </dgm:linClrLst>
+    <dgm:effectClrLst/>
+    <dgm:txLinClrLst/>
+    <dgm:txFillClrLst/>
+    <dgm:txEffectClrLst/>
+  </dgm:styleLbl>
+  <dgm:styleLbl name="fgSibTrans2D1">
+    <dgm:fillClrLst meth="repeat">
+      <a:schemeClr val="dk2">
+        <a:tint val="60000"/>
+      </a:schemeClr>
+    </dgm:fillClrLst>
+    <dgm:linClrLst meth="repeat">
+      <a:schemeClr val="dk2">
+        <a:tint val="60000"/>
+      </a:schemeClr>
+    </dgm:linClrLst>
+    <dgm:effectClrLst/>
+    <dgm:txLinClrLst/>
+    <dgm:txFillClrLst/>
+    <dgm:txEffectClrLst/>
+  </dgm:styleLbl>
+  <dgm:styleLbl name="bgSibTrans2D1">
+    <dgm:fillClrLst meth="repeat">
+      <a:schemeClr val="dk2">
+        <a:tint val="60000"/>
+      </a:schemeClr>
+    </dgm:fillClrLst>
+    <dgm:linClrLst meth="repeat">
+      <a:schemeClr val="dk2">
+        <a:tint val="60000"/>
+      </a:schemeClr>
+    </dgm:linClrLst>
+    <dgm:effectClrLst/>
+    <dgm:txLinClrLst/>
+    <dgm:txFillClrLst/>
+    <dgm:txEffectClrLst/>
+  </dgm:styleLbl>
+  <dgm:styleLbl name="sibTrans1D1">
+    <dgm:fillClrLst meth="repeat">
+      <a:schemeClr val="dk2"/>
+    </dgm:fillClrLst>
+    <dgm:linClrLst meth="repeat">
+      <a:schemeClr val="dk2"/>
+    </dgm:linClrLst>
+    <dgm:effectClrLst/>
+    <dgm:txLinClrLst/>
+    <dgm:txFillClrLst meth="repeat">
+      <a:schemeClr val="lt2"/>
+    </dgm:txFillClrLst>
+    <dgm:txEffectClrLst/>
+  </dgm:styleLbl>
+  <dgm:styleLbl name="callout">
+    <dgm:fillClrLst meth="repeat">
+      <a:schemeClr val="dk2"/>
+    </dgm:fillClrLst>
+    <dgm:linClrLst meth="repeat">
+      <a:schemeClr val="dk2">
+        <a:tint val="50000"/>
+      </a:schemeClr>
+    </dgm:linClrLst>
+    <dgm:effectClrLst/>
+    <dgm:txLinClrLst/>
+    <dgm:txFillClrLst meth="repeat">
+      <a:schemeClr val="lt2"/>
+    </dgm:txFillClrLst>
+    <dgm:txEffectClrLst/>
+  </dgm:styleLbl>
+  <dgm:styleLbl name="asst0">
+    <dgm:fillClrLst meth="repeat">
+      <a:schemeClr val="dk2"/>
+    </dgm:fillClrLst>
+    <dgm:linClrLst meth="repeat">
+      <a:schemeClr val="lt2"/>
+    </dgm:linClrLst>
+    <dgm:effectClrLst/>
+    <dgm:txLinClrLst/>
+    <dgm:txFillClrLst/>
+    <dgm:txEffectClrLst/>
+  </dgm:styleLbl>
+  <dgm:styleLbl name="asst1">
+    <dgm:fillClrLst meth="repeat">
+      <a:schemeClr val="dk2"/>
+    </dgm:fillClrLst>
+    <dgm:linClrLst meth="repeat">
+      <a:schemeClr val="lt2"/>
+    </dgm:linClrLst>
+    <dgm:effectClrLst/>
+    <dgm:txLinClrLst/>
+    <dgm:txFillClrLst/>
+    <dgm:txEffectClrLst/>
+  </dgm:styleLbl>
+  <dgm:styleLbl name="asst2">
+    <dgm:fillClrLst meth="repeat">
+      <a:schemeClr val="dk2"/>
+    </dgm:fillClrLst>
+    <dgm:linClrLst meth="repeat">
+      <a:schemeClr val="lt2"/>
+    </dgm:linClrLst>
+    <dgm:effectClrLst/>
+    <dgm:txLinClrLst/>
+    <dgm:txFillClrLst/>
+    <dgm:txEffectClrLst/>
+  </dgm:styleLbl>
+  <dgm:styleLbl name="asst3">
+    <dgm:fillClrLst meth="repeat">
+      <a:schemeClr val="dk2"/>
+    </dgm:fillClrLst>
+    <dgm:linClrLst meth="repeat">
+      <a:schemeClr val="lt2"/>
+    </dgm:linClrLst>
+    <dgm:effectClrLst/>
+    <dgm:txLinClrLst/>
+    <dgm:txFillClrLst/>
+    <dgm:txEffectClrLst/>
+  </dgm:styleLbl>
+  <dgm:styleLbl name="asst4">
+    <dgm:fillClrLst meth="repeat">
+      <a:schemeClr val="dk2"/>
+    </dgm:fillClrLst>
+    <dgm:linClrLst meth="repeat">
+      <a:schemeClr val="lt2"/>
+    </dgm:linClrLst>
+    <dgm:effectClrLst/>
+    <dgm:txLinClrLst/>
+    <dgm:txFillClrLst/>
+    <dgm:txEffectClrLst/>
+  </dgm:styleLbl>
+  <dgm:styleLbl name="parChTrans2D1">
+    <dgm:fillClrLst meth="repeat">
+      <a:schemeClr val="dk2">
+        <a:tint val="60000"/>
+      </a:schemeClr>
+    </dgm:fillClrLst>
+    <dgm:linClrLst meth="repeat">
+      <a:schemeClr val="dk2">
+        <a:tint val="60000"/>
+      </a:schemeClr>
+    </dgm:linClrLst>
+    <dgm:effectClrLst/>
+    <dgm:txLinClrLst/>
+    <dgm:txFillClrLst meth="repeat">
+      <a:schemeClr val="lt2"/>
+    </dgm:txFillClrLst>
+    <dgm:txEffectClrLst/>
+  </dgm:styleLbl>
+  <dgm:styleLbl name="parChTrans2D2">
+    <dgm:fillClrLst meth="repeat">
+      <a:schemeClr val="dk2"/>
+    </dgm:fillClrLst>
+    <dgm:linClrLst meth="repeat">
+      <a:schemeClr val="dk2"/>
+    </dgm:linClrLst>
+    <dgm:effectClrLst/>
+    <dgm:txLinClrLst/>
+    <dgm:txFillClrLst meth="repeat">
+      <a:schemeClr val="lt2"/>
+    </dgm:txFillClrLst>
+    <dgm:txEffectClrLst/>
+  </dgm:styleLbl>
+  <dgm:styleLbl name="parChTrans2D3">
+    <dgm:fillClrLst meth="repeat">
+      <a:schemeClr val="dk2"/>
+    </dgm:fillClrLst>
+    <dgm:linClrLst meth="repeat">
+      <a:schemeClr val="dk2"/>
+    </dgm:linClrLst>
+    <dgm:effectClrLst/>
+    <dgm:txLinClrLst/>
+    <dgm:txFillClrLst meth="repeat">
+      <a:schemeClr val="lt2"/>
+    </dgm:txFillClrLst>
+    <dgm:txEffectClrLst/>
+  </dgm:styleLbl>
+  <dgm:styleLbl name="parChTrans2D4">
+    <dgm:fillClrLst meth="repeat">
+      <a:schemeClr val="dk2"/>
+    </dgm:fillClrLst>
+    <dgm:linClrLst meth="repeat">
+      <a:schemeClr val="dk2"/>
+    </dgm:linClrLst>
+    <dgm:effectClrLst/>
+    <dgm:txLinClrLst/>
+    <dgm:txFillClrLst meth="repeat">
+      <a:schemeClr val="lt2"/>
+    </dgm:txFillClrLst>
+    <dgm:txEffectClrLst/>
+  </dgm:styleLbl>
+  <dgm:styleLbl name="parChTrans1D1">
+    <dgm:fillClrLst meth="repeat">
+      <a:schemeClr val="dk2"/>
+    </dgm:fillClrLst>
+    <dgm:linClrLst meth="repeat">
+      <a:schemeClr val="dk2">
+        <a:shade val="60000"/>
+      </a:schemeClr>
+    </dgm:linClrLst>
+    <dgm:effectClrLst/>
+    <dgm:txLinClrLst/>
+    <dgm:txFillClrLst meth="repeat">
+      <a:schemeClr val="tx1"/>
+    </dgm:txFillClrLst>
+    <dgm:txEffectClrLst/>
+  </dgm:styleLbl>
+  <dgm:styleLbl name="parChTrans1D2">
+    <dgm:fillClrLst meth="repeat">
+      <a:schemeClr val="dk2"/>
+    </dgm:fillClrLst>
+    <dgm:linClrLst meth="repeat">
+      <a:schemeClr val="dk2">
+        <a:shade val="60000"/>
+      </a:schemeClr>
+    </dgm:linClrLst>
+    <dgm:effectClrLst/>
+    <dgm:txLinClrLst/>
+    <dgm:txFillClrLst meth="repeat">
+      <a:schemeClr val="tx1"/>
+    </dgm:txFillClrLst>
+    <dgm:txEffectClrLst/>
+  </dgm:styleLbl>
+  <dgm:styleLbl name="parChTrans1D3">
+    <dgm:fillClrLst meth="repeat">
+      <a:schemeClr val="dk2"/>
+    </dgm:fillClrLst>
+    <dgm:linClrLst meth="repeat">
+      <a:schemeClr val="dk2">
+        <a:shade val="80000"/>
+      </a:schemeClr>
+    </dgm:linClrLst>
+    <dgm:effectClrLst/>
+    <dgm:txLinClrLst/>
+    <dgm:txFillClrLst meth="repeat">
+      <a:schemeClr val="tx1"/>
+    </dgm:txFillClrLst>
+    <dgm:txEffectClrLst/>
+  </dgm:styleLbl>
+  <dgm:styleLbl name="parChTrans1D4">
+    <dgm:fillClrLst meth="repeat">
+      <a:schemeClr val="dk2"/>
+    </dgm:fillClrLst>
+    <dgm:linClrLst meth="repeat">
+      <a:schemeClr val="dk2">
+        <a:shade val="80000"/>
+      </a:schemeClr>
+    </dgm:linClrLst>
+    <dgm:effectClrLst/>
+    <dgm:txLinClrLst/>
+    <dgm:txFillClrLst meth="repeat">
+      <a:schemeClr val="tx1"/>
+    </dgm:txFillClrLst>
+    <dgm:txEffectClrLst/>
+  </dgm:styleLbl>
+  <dgm:styleLbl name="fgAcc1">
+    <dgm:fillClrLst meth="repeat">
+      <a:schemeClr val="lt2">
+        <a:alpha val="90000"/>
+      </a:schemeClr>
+    </dgm:fillClrLst>
+    <dgm:linClrLst meth="repeat">
+      <a:schemeClr val="dk2"/>
+    </dgm:linClrLst>
+    <dgm:effectClrLst/>
+    <dgm:txLinClrLst/>
+    <dgm:txFillClrLst meth="repeat">
+      <a:schemeClr val="dk1"/>
+    </dgm:txFillClrLst>
+    <dgm:txEffectClrLst/>
+  </dgm:styleLbl>
+  <dgm:styleLbl name="conFgAcc1">
+    <dgm:fillClrLst meth="repeat">
+      <a:schemeClr val="lt2">
+        <a:alpha val="90000"/>
+      </a:schemeClr>
+    </dgm:fillClrLst>
+    <dgm:linClrLst meth="repeat">
+      <a:schemeClr val="dk2"/>
+    </dgm:linClrLst>
+    <dgm:effectClrLst/>
+    <dgm:txLinClrLst/>
+    <dgm:txFillClrLst meth="repeat">
+      <a:schemeClr val="dk1"/>
+    </dgm:txFillClrLst>
+    <dgm:txEffectClrLst/>
+  </dgm:styleLbl>
+  <dgm:styleLbl name="alignAcc1">
+    <dgm:fillClrLst meth="repeat">
+      <a:schemeClr val="lt2">
+        <a:alpha val="90000"/>
+      </a:schemeClr>
+    </dgm:fillClrLst>
+    <dgm:linClrLst meth="repeat">
+      <a:schemeClr val="dk2"/>
+    </dgm:linClrLst>
+    <dgm:effectClrLst/>
+    <dgm:txLinClrLst/>
+    <dgm:txFillClrLst meth="repeat">
+      <a:schemeClr val="dk1"/>
+    </dgm:txFillClrLst>
+    <dgm:txEffectClrLst/>
+  </dgm:styleLbl>
+  <dgm:styleLbl name="trAlignAcc1">
+    <dgm:fillClrLst meth="repeat">
+      <a:schemeClr val="lt2">
+        <a:alpha val="40000"/>
+      </a:schemeClr>
+    </dgm:fillClrLst>
+    <dgm:linClrLst meth="repeat">
+      <a:schemeClr val="dk2"/>
+    </dgm:linClrLst>
+    <dgm:effectClrLst/>
+    <dgm:txLinClrLst/>
+    <dgm:txFillClrLst meth="repeat">
+      <a:schemeClr val="dk1"/>
+    </dgm:txFillClrLst>
+    <dgm:txEffectClrLst/>
+  </dgm:styleLbl>
+  <dgm:styleLbl name="bgAcc1">
+    <dgm:fillClrLst meth="repeat">
+      <a:schemeClr val="lt2">
+        <a:alpha val="90000"/>
+      </a:schemeClr>
+    </dgm:fillClrLst>
+    <dgm:linClrLst meth="repeat">
+      <a:schemeClr val="dk2"/>
+    </dgm:linClrLst>
+    <dgm:effectClrLst/>
+    <dgm:txLinClrLst/>
+    <dgm:txFillClrLst meth="repeat">
+      <a:schemeClr val="dk1"/>
+    </dgm:txFillClrLst>
+    <dgm:txEffectClrLst/>
+  </dgm:styleLbl>
+  <dgm:styleLbl name="solidFgAcc1">
+    <dgm:fillClrLst meth="repeat">
+      <a:schemeClr val="lt2"/>
+    </dgm:fillClrLst>
+    <dgm:linClrLst meth="repeat">
+      <a:schemeClr val="dk2"/>
+    </dgm:linClrLst>
+    <dgm:effectClrLst/>
+    <dgm:txLinClrLst/>
+    <dgm:txFillClrLst meth="repeat">
+      <a:schemeClr val="dk1"/>
+    </dgm:txFillClrLst>
+    <dgm:txEffectClrLst/>
+  </dgm:styleLbl>
+  <dgm:styleLbl name="solidAlignAcc1">
+    <dgm:fillClrLst meth="repeat">
+      <a:schemeClr val="lt2"/>
+    </dgm:fillClrLst>
+    <dgm:linClrLst meth="repeat">
+      <a:schemeClr val="dk2"/>
+    </dgm:linClrLst>
+    <dgm:effectClrLst/>
+    <dgm:txLinClrLst/>
+    <dgm:txFillClrLst meth="repeat">
+      <a:schemeClr val="dk1"/>
+    </dgm:txFillClrLst>
+    <dgm:txEffectClrLst/>
+  </dgm:styleLbl>
+  <dgm:styleLbl name="solidBgAcc1">
+    <dgm:fillClrLst meth="repeat">
+      <a:schemeClr val="lt2"/>
+    </dgm:fillClrLst>
+    <dgm:linClrLst meth="repeat">
+      <a:schemeClr val="dk2"/>
+    </dgm:linClrLst>
+    <dgm:effectClrLst/>
+    <dgm:txLinClrLst/>
+    <dgm:txFillClrLst meth="repeat">
+      <a:schemeClr val="dk1"/>
+    </dgm:txFillClrLst>
+    <dgm:txEffectClrLst/>
+  </dgm:styleLbl>
+  <dgm:styleLbl name="fgAccFollowNode1">
+    <dgm:fillClrLst meth="repeat">
+      <a:schemeClr val="dk2">
+        <a:alpha val="90000"/>
+        <a:tint val="40000"/>
+      </a:schemeClr>
+    </dgm:fillClrLst>
+    <dgm:linClrLst meth="repeat">
+      <a:schemeClr val="dk2">
+        <a:alpha val="90000"/>
+        <a:tint val="40000"/>
+      </a:schemeClr>
+    </dgm:linClrLst>
+    <dgm:effectClrLst/>
+    <dgm:txLinClrLst/>
+    <dgm:txFillClrLst meth="repeat">
+      <a:schemeClr val="dk1"/>
+    </dgm:txFillClrLst>
+    <dgm:txEffectClrLst/>
+  </dgm:styleLbl>
+  <dgm:styleLbl name="alignAccFollowNode1">
+    <dgm:fillClrLst meth="repeat">
+      <a:schemeClr val="dk2">
+        <a:alpha val="90000"/>
+        <a:tint val="40000"/>
+      </a:schemeClr>
+    </dgm:fillClrLst>
+    <dgm:linClrLst meth="repeat">
+      <a:schemeClr val="dk2">
+        <a:alpha val="90000"/>
+        <a:tint val="40000"/>
+      </a:schemeClr>
+    </dgm:linClrLst>
+    <dgm:effectClrLst/>
+    <dgm:txLinClrLst/>
+    <dgm:txFillClrLst meth="repeat">
+      <a:schemeClr val="dk1"/>
+    </dgm:txFillClrLst>
+    <dgm:txEffectClrLst/>
+  </dgm:styleLbl>
+  <dgm:styleLbl name="bgAccFollowNode1">
+    <dgm:fillClrLst meth="repeat">
+      <a:schemeClr val="dk2">
+        <a:alpha val="90000"/>
+        <a:tint val="40000"/>
+      </a:schemeClr>
+    </dgm:fillClrLst>
+    <dgm:linClrLst meth="repeat">
+      <a:schemeClr val="dk2">
+        <a:alpha val="90000"/>
+        <a:tint val="40000"/>
+      </a:schemeClr>
+    </dgm:linClrLst>
+    <dgm:effectClrLst/>
+    <dgm:txLinClrLst/>
+    <dgm:txFillClrLst meth="repeat">
+      <a:schemeClr val="dk1"/>
+    </dgm:txFillClrLst>
+    <dgm:txEffectClrLst/>
+  </dgm:styleLbl>
+  <dgm:styleLbl name="fgAcc0">
+    <dgm:fillClrLst meth="repeat">
+      <a:schemeClr val="lt2">
+        <a:alpha val="90000"/>
+      </a:schemeClr>
+    </dgm:fillClrLst>
+    <dgm:linClrLst meth="repeat">
+      <a:schemeClr val="dk2"/>
+    </dgm:linClrLst>
+    <dgm:effectClrLst/>
+    <dgm:txLinClrLst/>
+    <dgm:txFillClrLst meth="repeat">
+      <a:schemeClr val="dk1"/>
+    </dgm:txFillClrLst>
+    <dgm:txEffectClrLst/>
+  </dgm:styleLbl>
+  <dgm:styleLbl name="fgAcc2">
+    <dgm:fillClrLst meth="repeat">
+      <a:schemeClr val="lt2">
+        <a:alpha val="90000"/>
+      </a:schemeClr>
+    </dgm:fillClrLst>
+    <dgm:linClrLst meth="repeat">
+      <a:schemeClr val="dk2"/>
+    </dgm:linClrLst>
+    <dgm:effectClrLst/>
+    <dgm:txLinClrLst/>
+    <dgm:txFillClrLst meth="repeat">
+      <a:schemeClr val="dk1"/>
+    </dgm:txFillClrLst>
+    <dgm:txEffectClrLst/>
+  </dgm:styleLbl>
+  <dgm:styleLbl name="fgAcc3">
+    <dgm:fillClrLst meth="repeat">
+      <a:schemeClr val="lt2">
+        <a:alpha val="90000"/>
+      </a:schemeClr>
+    </dgm:fillClrLst>
+    <dgm:linClrLst meth="repeat">
+      <a:schemeClr val="dk2"/>
+    </dgm:linClrLst>
+    <dgm:effectClrLst/>
+    <dgm:txLinClrLst/>
+    <dgm:txFillClrLst meth="repeat">
+      <a:schemeClr val="dk1"/>
+    </dgm:txFillClrLst>
+    <dgm:txEffectClrLst/>
+  </dgm:styleLbl>
+  <dgm:styleLbl name="fgAcc4">
+    <dgm:fillClrLst meth="repeat">
+      <a:schemeClr val="lt2">
+        <a:alpha val="90000"/>
+      </a:schemeClr>
+    </dgm:fillClrLst>
+    <dgm:linClrLst meth="repeat">
+      <a:schemeClr val="dk2"/>
+    </dgm:linClrLst>
+    <dgm:effectClrLst/>
+    <dgm:txLinClrLst/>
+    <dgm:txFillClrLst meth="repeat">
+      <a:schemeClr val="dk1"/>
+    </dgm:txFillClrLst>
+    <dgm:txEffectClrLst/>
+  </dgm:styleLbl>
+  <dgm:styleLbl name="bgShp">
+    <dgm:fillClrLst meth="repeat">
+      <a:schemeClr val="dk2">
+        <a:tint val="40000"/>
+      </a:schemeClr>
+    </dgm:fillClrLst>
+    <dgm:linClrLst meth="repeat">
+      <a:schemeClr val="dk2"/>
+    </dgm:linClrLst>
+    <dgm:effectClrLst/>
+    <dgm:txLinClrLst/>
+    <dgm:txFillClrLst meth="repeat">
+      <a:schemeClr val="dk1"/>
+    </dgm:txFillClrLst>
+    <dgm:txEffectClrLst/>
+  </dgm:styleLbl>
+  <dgm:styleLbl name="dkBgShp">
+    <dgm:fillClrLst meth="repeat">
+      <a:schemeClr val="dk2">
+        <a:shade val="80000"/>
+      </a:schemeClr>
+    </dgm:fillClrLst>
+    <dgm:linClrLst meth="repeat">
+      <a:schemeClr val="dk2"/>
+    </dgm:linClrLst>
+    <dgm:effectClrLst/>
+    <dgm:txLinClrLst/>
+    <dgm:txFillClrLst meth="repeat">
+      <a:schemeClr val="lt1"/>
+    </dgm:txFillClrLst>
+    <dgm:txEffectClrLst/>
+  </dgm:styleLbl>
+  <dgm:styleLbl name="trBgShp">
+    <dgm:fillClrLst meth="repeat">
+      <a:schemeClr val="dk2">
+        <a:tint val="50000"/>
+        <a:alpha val="40000"/>
+      </a:schemeClr>
+    </dgm:fillClrLst>
+    <dgm:linClrLst meth="repeat">
+      <a:schemeClr val="dk2"/>
+    </dgm:linClrLst>
+    <dgm:effectClrLst/>
+    <dgm:txLinClrLst/>
+    <dgm:txFillClrLst meth="repeat">
+      <a:schemeClr val="lt1"/>
+    </dgm:txFillClrLst>
+    <dgm:txEffectClrLst/>
+  </dgm:styleLbl>
+  <dgm:styleLbl name="fgShp">
+    <dgm:fillClrLst meth="repeat">
+      <a:schemeClr val="dk2">
+        <a:tint val="60000"/>
+      </a:schemeClr>
+    </dgm:fillClrLst>
+    <dgm:linClrLst meth="repeat">
+      <a:schemeClr val="lt2"/>
+    </dgm:linClrLst>
+    <dgm:effectClrLst/>
+    <dgm:txLinClrLst/>
+    <dgm:txFillClrLst meth="repeat">
+      <a:schemeClr val="dk1"/>
+    </dgm:txFillClrLst>
+    <dgm:txEffectClrLst/>
+  </dgm:styleLbl>
+  <dgm:styleLbl name="revTx">
+    <dgm:fillClrLst meth="repeat">
+      <a:schemeClr val="lt2">
         <a:alpha val="0"/>
       </a:schemeClr>
     </dgm:fillClrLst>
@@ -959,7 +1715,7 @@
         <a:p>
           <a:r>
             <a:rPr lang="en-GB" sz="1000" dirty="0"/>
-            <a:t>INTENTION </a:t>
+            <a:t> INTENTION </a:t>
           </a:r>
         </a:p>
         <a:p>
@@ -1113,6 +1869,426 @@
   <dgm:extLst>
     <a:ext uri="http://schemas.microsoft.com/office/drawing/2008/diagram">
       <dsp:dataModelExt xmlns:dsp="http://schemas.microsoft.com/office/drawing/2008/diagram" relId="rId12" minVer="http://schemas.openxmlformats.org/drawingml/2006/diagram"/>
+    </a:ext>
+  </dgm:extLst>
+</dgm:dataModel>
+</file>
+
+<file path=ppt/diagrams/data2.xml><?xml version="1.0" encoding="utf-8"?>
+<dgm:dataModel xmlns:dgm="http://schemas.openxmlformats.org/drawingml/2006/diagram" xmlns:a="http://schemas.openxmlformats.org/drawingml/2006/main">
+  <dgm:ptLst>
+    <dgm:pt modelId="{B4A69ED5-41AD-4CA2-8810-3059C29C1699}" type="doc">
+      <dgm:prSet loTypeId="urn:microsoft.com/office/officeart/2005/8/layout/default" loCatId="list" qsTypeId="urn:microsoft.com/office/officeart/2005/8/quickstyle/simple5" qsCatId="simple" csTypeId="urn:microsoft.com/office/officeart/2005/8/colors/accent0_3" csCatId="mainScheme" phldr="1"/>
+      <dgm:spPr/>
+      <dgm:t>
+        <a:bodyPr/>
+        <a:lstStyle/>
+        <a:p>
+          <a:endParaRPr lang="en-GB"/>
+        </a:p>
+      </dgm:t>
+    </dgm:pt>
+    <dgm:pt modelId="{E9F87927-12D1-4FDF-B7F6-F8F9B262E348}">
+      <dgm:prSet phldrT="[Text]" phldr="0" custT="1"/>
+      <dgm:spPr>
+        <a:solidFill>
+          <a:schemeClr val="accent1">
+            <a:lumMod val="75000"/>
+          </a:schemeClr>
+        </a:solidFill>
+      </dgm:spPr>
+      <dgm:t>
+        <a:bodyPr/>
+        <a:lstStyle/>
+        <a:p>
+          <a:r>
+            <a:rPr lang="en-GB" sz="1200" dirty="0"/>
+            <a:t>SALES</a:t>
+          </a:r>
+        </a:p>
+        <a:p>
+          <a:r>
+            <a:rPr lang="en-GB" sz="1000" i="1" dirty="0"/>
+            <a:t>Hyper-personalized recommendations &amp; predictive lead scoring</a:t>
+          </a:r>
+          <a:r>
+            <a:rPr lang="en-GB" sz="1000" dirty="0"/>
+            <a:t> </a:t>
+          </a:r>
+        </a:p>
+      </dgm:t>
+    </dgm:pt>
+    <dgm:pt modelId="{94E98A76-7DC6-4994-8039-85884F494E98}" type="parTrans" cxnId="{29C6D638-B61F-4630-898A-513EA4096C26}">
+      <dgm:prSet/>
+      <dgm:spPr/>
+      <dgm:t>
+        <a:bodyPr/>
+        <a:lstStyle/>
+        <a:p>
+          <a:endParaRPr lang="en-GB" sz="1000"/>
+        </a:p>
+      </dgm:t>
+    </dgm:pt>
+    <dgm:pt modelId="{B150830B-1CE0-435E-80D0-F0F8187EC7EA}" type="sibTrans" cxnId="{29C6D638-B61F-4630-898A-513EA4096C26}">
+      <dgm:prSet/>
+      <dgm:spPr/>
+      <dgm:t>
+        <a:bodyPr/>
+        <a:lstStyle/>
+        <a:p>
+          <a:endParaRPr lang="en-GB" sz="1000"/>
+        </a:p>
+      </dgm:t>
+    </dgm:pt>
+    <dgm:pt modelId="{B5E752B3-161A-4D0D-BF95-FE1A799BF028}">
+      <dgm:prSet phldrT="[Text]" phldr="0" custT="1"/>
+      <dgm:spPr>
+        <a:solidFill>
+          <a:schemeClr val="accent1">
+            <a:lumMod val="75000"/>
+          </a:schemeClr>
+        </a:solidFill>
+      </dgm:spPr>
+      <dgm:t>
+        <a:bodyPr/>
+        <a:lstStyle/>
+        <a:p>
+          <a:r>
+            <a:rPr lang="en-GB" sz="1200" dirty="0"/>
+            <a:t>SUPPLY CHAIN</a:t>
+          </a:r>
+        </a:p>
+        <a:p>
+          <a:r>
+            <a:rPr lang="en-GB" sz="1000" i="1" dirty="0"/>
+            <a:t>Integrate customer insights to ensure production aligns with forecasted demand</a:t>
+          </a:r>
+        </a:p>
+      </dgm:t>
+    </dgm:pt>
+    <dgm:pt modelId="{F65E3DAE-4F3A-4E55-87D2-747E8CEE7074}" type="parTrans" cxnId="{38CE34A4-FBF8-4135-BEA8-250D0CDA6DC0}">
+      <dgm:prSet/>
+      <dgm:spPr/>
+      <dgm:t>
+        <a:bodyPr/>
+        <a:lstStyle/>
+        <a:p>
+          <a:endParaRPr lang="en-GB" sz="1000"/>
+        </a:p>
+      </dgm:t>
+    </dgm:pt>
+    <dgm:pt modelId="{BE3000E9-3D53-4B41-978D-23A22A106EFD}" type="sibTrans" cxnId="{38CE34A4-FBF8-4135-BEA8-250D0CDA6DC0}">
+      <dgm:prSet/>
+      <dgm:spPr/>
+      <dgm:t>
+        <a:bodyPr/>
+        <a:lstStyle/>
+        <a:p>
+          <a:endParaRPr lang="en-GB" sz="1000"/>
+        </a:p>
+      </dgm:t>
+    </dgm:pt>
+    <dgm:pt modelId="{9E3FE958-3877-4E30-958F-F37049F325D5}">
+      <dgm:prSet phldrT="[Text]" phldr="0" custT="1"/>
+      <dgm:spPr>
+        <a:solidFill>
+          <a:schemeClr val="accent1">
+            <a:lumMod val="75000"/>
+          </a:schemeClr>
+        </a:solidFill>
+      </dgm:spPr>
+      <dgm:t>
+        <a:bodyPr/>
+        <a:lstStyle/>
+        <a:p>
+          <a:r>
+            <a:rPr lang="en-GB" sz="1200" dirty="0"/>
+            <a:t>FINANCE</a:t>
+          </a:r>
+        </a:p>
+        <a:p>
+          <a:r>
+            <a:rPr lang="en-GB" sz="1000" i="1" dirty="0"/>
+            <a:t>Digital advisors analyse investment data, assess risks &amp; offer customized financial guidance</a:t>
+          </a:r>
+        </a:p>
+      </dgm:t>
+    </dgm:pt>
+    <dgm:pt modelId="{0B72720D-E5D2-4FEA-9F0A-B13E2EDF5DDE}" type="parTrans" cxnId="{040E6989-ABEF-403F-9137-56B0D1C63869}">
+      <dgm:prSet/>
+      <dgm:spPr/>
+      <dgm:t>
+        <a:bodyPr/>
+        <a:lstStyle/>
+        <a:p>
+          <a:endParaRPr lang="en-GB" sz="1000"/>
+        </a:p>
+      </dgm:t>
+    </dgm:pt>
+    <dgm:pt modelId="{ADDB4646-7CAE-4B21-9EDF-C5CE02B233CD}" type="sibTrans" cxnId="{040E6989-ABEF-403F-9137-56B0D1C63869}">
+      <dgm:prSet/>
+      <dgm:spPr/>
+      <dgm:t>
+        <a:bodyPr/>
+        <a:lstStyle/>
+        <a:p>
+          <a:endParaRPr lang="en-GB" sz="1000"/>
+        </a:p>
+      </dgm:t>
+    </dgm:pt>
+    <dgm:pt modelId="{C40B84BB-AE16-4F62-A52A-150788074208}">
+      <dgm:prSet phldrT="[Text]" phldr="0" custT="1"/>
+      <dgm:spPr>
+        <a:solidFill>
+          <a:schemeClr val="accent1">
+            <a:lumMod val="75000"/>
+          </a:schemeClr>
+        </a:solidFill>
+      </dgm:spPr>
+      <dgm:t>
+        <a:bodyPr/>
+        <a:lstStyle/>
+        <a:p>
+          <a:r>
+            <a:rPr lang="en-GB" sz="1200" dirty="0"/>
+            <a:t>GOVERNMENTS</a:t>
+          </a:r>
+        </a:p>
+        <a:p>
+          <a:r>
+            <a:rPr lang="en-GB" sz="1000" i="1" dirty="0"/>
+            <a:t>Logistics, defence, public planning</a:t>
+          </a:r>
+        </a:p>
+      </dgm:t>
+    </dgm:pt>
+    <dgm:pt modelId="{89EB3F0D-E768-4AB8-A114-8D9269B822E7}" type="parTrans" cxnId="{4D54053D-0EFE-42A7-8D94-61D3401A32E5}">
+      <dgm:prSet/>
+      <dgm:spPr/>
+      <dgm:t>
+        <a:bodyPr/>
+        <a:lstStyle/>
+        <a:p>
+          <a:endParaRPr lang="en-GB" sz="1000"/>
+        </a:p>
+      </dgm:t>
+    </dgm:pt>
+    <dgm:pt modelId="{FBA6D1F8-26C3-442F-BA36-0F61F2BCFAF5}" type="sibTrans" cxnId="{4D54053D-0EFE-42A7-8D94-61D3401A32E5}">
+      <dgm:prSet/>
+      <dgm:spPr/>
+      <dgm:t>
+        <a:bodyPr/>
+        <a:lstStyle/>
+        <a:p>
+          <a:endParaRPr lang="en-GB" sz="1000"/>
+        </a:p>
+      </dgm:t>
+    </dgm:pt>
+    <dgm:pt modelId="{9ACF749E-1DB9-4F03-BF67-B558B4F3CAF4}">
+      <dgm:prSet phldrT="[Text]" phldr="0" custT="1"/>
+      <dgm:spPr>
+        <a:solidFill>
+          <a:schemeClr val="accent1">
+            <a:lumMod val="75000"/>
+          </a:schemeClr>
+        </a:solidFill>
+      </dgm:spPr>
+      <dgm:t>
+        <a:bodyPr/>
+        <a:lstStyle/>
+        <a:p>
+          <a:r>
+            <a:rPr lang="en-GB" sz="1200" dirty="0"/>
+            <a:t>TELEHEALTH</a:t>
+          </a:r>
+        </a:p>
+        <a:p>
+          <a:r>
+            <a:rPr lang="en-GB" sz="1000" i="1" dirty="0"/>
+            <a:t>Track patient history, symptoms &amp; real-time vital signs</a:t>
+          </a:r>
+        </a:p>
+      </dgm:t>
+    </dgm:pt>
+    <dgm:pt modelId="{6715ABC8-C122-425A-B0C7-A4E0148F9614}" type="parTrans" cxnId="{9E2E239C-AEEF-4630-A9C6-691C1B2298A4}">
+      <dgm:prSet/>
+      <dgm:spPr/>
+      <dgm:t>
+        <a:bodyPr/>
+        <a:lstStyle/>
+        <a:p>
+          <a:endParaRPr lang="en-GB" sz="1000"/>
+        </a:p>
+      </dgm:t>
+    </dgm:pt>
+    <dgm:pt modelId="{BDAD7B7D-C9F8-43CB-BDC6-F5B4B207A5A5}" type="sibTrans" cxnId="{9E2E239C-AEEF-4630-A9C6-691C1B2298A4}">
+      <dgm:prSet/>
+      <dgm:spPr/>
+      <dgm:t>
+        <a:bodyPr/>
+        <a:lstStyle/>
+        <a:p>
+          <a:endParaRPr lang="en-GB" sz="1000"/>
+        </a:p>
+      </dgm:t>
+    </dgm:pt>
+    <dgm:pt modelId="{89B5F20B-693F-4B4C-A083-BBF992AAC9A0}">
+      <dgm:prSet custT="1"/>
+      <dgm:spPr>
+        <a:solidFill>
+          <a:schemeClr val="accent1">
+            <a:lumMod val="75000"/>
+          </a:schemeClr>
+        </a:solidFill>
+      </dgm:spPr>
+      <dgm:t>
+        <a:bodyPr/>
+        <a:lstStyle/>
+        <a:p>
+          <a:r>
+            <a:rPr lang="en-GB" sz="1200" dirty="0"/>
+            <a:t>ACADEMIA</a:t>
+          </a:r>
+        </a:p>
+        <a:p>
+          <a:r>
+            <a:rPr lang="en-GB" sz="1000" i="1" dirty="0"/>
+            <a:t>Virtual mentors to guide students through coursework and research</a:t>
+          </a:r>
+        </a:p>
+      </dgm:t>
+    </dgm:pt>
+    <dgm:pt modelId="{AA19300B-AB6D-4B9A-90C3-E2DEC855E7E4}" type="parTrans" cxnId="{D2AF8BA5-03E9-4A23-B056-493B7E10E747}">
+      <dgm:prSet/>
+      <dgm:spPr/>
+      <dgm:t>
+        <a:bodyPr/>
+        <a:lstStyle/>
+        <a:p>
+          <a:endParaRPr lang="en-GB" sz="1000"/>
+        </a:p>
+      </dgm:t>
+    </dgm:pt>
+    <dgm:pt modelId="{64C3768D-25B3-473C-9C75-FD3707918751}" type="sibTrans" cxnId="{D2AF8BA5-03E9-4A23-B056-493B7E10E747}">
+      <dgm:prSet/>
+      <dgm:spPr/>
+      <dgm:t>
+        <a:bodyPr/>
+        <a:lstStyle/>
+        <a:p>
+          <a:endParaRPr lang="en-GB" sz="1000"/>
+        </a:p>
+      </dgm:t>
+    </dgm:pt>
+    <dgm:pt modelId="{EC7FACEA-C263-44BB-9A40-116569C302B1}" type="pres">
+      <dgm:prSet presAssocID="{B4A69ED5-41AD-4CA2-8810-3059C29C1699}" presName="diagram" presStyleCnt="0">
+        <dgm:presLayoutVars>
+          <dgm:dir/>
+          <dgm:resizeHandles val="exact"/>
+        </dgm:presLayoutVars>
+      </dgm:prSet>
+      <dgm:spPr/>
+    </dgm:pt>
+    <dgm:pt modelId="{5E203E09-B179-4D55-9D92-7FB41A11BEAD}" type="pres">
+      <dgm:prSet presAssocID="{E9F87927-12D1-4FDF-B7F6-F8F9B262E348}" presName="node" presStyleLbl="node1" presStyleIdx="0" presStyleCnt="6">
+        <dgm:presLayoutVars>
+          <dgm:bulletEnabled val="1"/>
+        </dgm:presLayoutVars>
+      </dgm:prSet>
+      <dgm:spPr/>
+    </dgm:pt>
+    <dgm:pt modelId="{76755918-4A61-4AF2-BB62-A759CC9ED58C}" type="pres">
+      <dgm:prSet presAssocID="{B150830B-1CE0-435E-80D0-F0F8187EC7EA}" presName="sibTrans" presStyleCnt="0"/>
+      <dgm:spPr/>
+    </dgm:pt>
+    <dgm:pt modelId="{F186FBBD-CF3E-4DFF-BE0C-4A6B87C4E24D}" type="pres">
+      <dgm:prSet presAssocID="{B5E752B3-161A-4D0D-BF95-FE1A799BF028}" presName="node" presStyleLbl="node1" presStyleIdx="1" presStyleCnt="6">
+        <dgm:presLayoutVars>
+          <dgm:bulletEnabled val="1"/>
+        </dgm:presLayoutVars>
+      </dgm:prSet>
+      <dgm:spPr/>
+    </dgm:pt>
+    <dgm:pt modelId="{45A63261-DF43-4E03-89F8-F720A658286C}" type="pres">
+      <dgm:prSet presAssocID="{BE3000E9-3D53-4B41-978D-23A22A106EFD}" presName="sibTrans" presStyleCnt="0"/>
+      <dgm:spPr/>
+    </dgm:pt>
+    <dgm:pt modelId="{EE7DACD1-7415-4254-9259-C2C67F7D9A96}" type="pres">
+      <dgm:prSet presAssocID="{9E3FE958-3877-4E30-958F-F37049F325D5}" presName="node" presStyleLbl="node1" presStyleIdx="2" presStyleCnt="6">
+        <dgm:presLayoutVars>
+          <dgm:bulletEnabled val="1"/>
+        </dgm:presLayoutVars>
+      </dgm:prSet>
+      <dgm:spPr/>
+    </dgm:pt>
+    <dgm:pt modelId="{0C633758-72CD-4631-9D14-26B278E402E6}" type="pres">
+      <dgm:prSet presAssocID="{ADDB4646-7CAE-4B21-9EDF-C5CE02B233CD}" presName="sibTrans" presStyleCnt="0"/>
+      <dgm:spPr/>
+    </dgm:pt>
+    <dgm:pt modelId="{CEB01548-B4E2-4957-A649-8A772A2678D1}" type="pres">
+      <dgm:prSet presAssocID="{C40B84BB-AE16-4F62-A52A-150788074208}" presName="node" presStyleLbl="node1" presStyleIdx="3" presStyleCnt="6">
+        <dgm:presLayoutVars>
+          <dgm:bulletEnabled val="1"/>
+        </dgm:presLayoutVars>
+      </dgm:prSet>
+      <dgm:spPr/>
+    </dgm:pt>
+    <dgm:pt modelId="{257FE0F2-67BE-4CB4-B1AC-3E59870353E6}" type="pres">
+      <dgm:prSet presAssocID="{FBA6D1F8-26C3-442F-BA36-0F61F2BCFAF5}" presName="sibTrans" presStyleCnt="0"/>
+      <dgm:spPr/>
+    </dgm:pt>
+    <dgm:pt modelId="{B835DF6C-7655-4E4F-8A6B-BFA2EF91A79B}" type="pres">
+      <dgm:prSet presAssocID="{9ACF749E-1DB9-4F03-BF67-B558B4F3CAF4}" presName="node" presStyleLbl="node1" presStyleIdx="4" presStyleCnt="6">
+        <dgm:presLayoutVars>
+          <dgm:bulletEnabled val="1"/>
+        </dgm:presLayoutVars>
+      </dgm:prSet>
+      <dgm:spPr/>
+    </dgm:pt>
+    <dgm:pt modelId="{BD6D28EB-A238-4A96-A638-E78207B38DFA}" type="pres">
+      <dgm:prSet presAssocID="{BDAD7B7D-C9F8-43CB-BDC6-F5B4B207A5A5}" presName="sibTrans" presStyleCnt="0"/>
+      <dgm:spPr/>
+    </dgm:pt>
+    <dgm:pt modelId="{F7EAF17F-AFF0-48C3-B0BD-59EDA0A3A3A8}" type="pres">
+      <dgm:prSet presAssocID="{89B5F20B-693F-4B4C-A083-BBF992AAC9A0}" presName="node" presStyleLbl="node1" presStyleIdx="5" presStyleCnt="6">
+        <dgm:presLayoutVars>
+          <dgm:bulletEnabled val="1"/>
+        </dgm:presLayoutVars>
+      </dgm:prSet>
+      <dgm:spPr/>
+    </dgm:pt>
+  </dgm:ptLst>
+  <dgm:cxnLst>
+    <dgm:cxn modelId="{A801A52D-473D-43EC-A934-4E49E003D7DE}" type="presOf" srcId="{89B5F20B-693F-4B4C-A083-BBF992AAC9A0}" destId="{F7EAF17F-AFF0-48C3-B0BD-59EDA0A3A3A8}" srcOrd="0" destOrd="0" presId="urn:microsoft.com/office/officeart/2005/8/layout/default"/>
+    <dgm:cxn modelId="{29C6D638-B61F-4630-898A-513EA4096C26}" srcId="{B4A69ED5-41AD-4CA2-8810-3059C29C1699}" destId="{E9F87927-12D1-4FDF-B7F6-F8F9B262E348}" srcOrd="0" destOrd="0" parTransId="{94E98A76-7DC6-4994-8039-85884F494E98}" sibTransId="{B150830B-1CE0-435E-80D0-F0F8187EC7EA}"/>
+    <dgm:cxn modelId="{4D54053D-0EFE-42A7-8D94-61D3401A32E5}" srcId="{B4A69ED5-41AD-4CA2-8810-3059C29C1699}" destId="{C40B84BB-AE16-4F62-A52A-150788074208}" srcOrd="3" destOrd="0" parTransId="{89EB3F0D-E768-4AB8-A114-8D9269B822E7}" sibTransId="{FBA6D1F8-26C3-442F-BA36-0F61F2BCFAF5}"/>
+    <dgm:cxn modelId="{F99E775F-2E23-4125-9370-D8D7984A4E9E}" type="presOf" srcId="{9E3FE958-3877-4E30-958F-F37049F325D5}" destId="{EE7DACD1-7415-4254-9259-C2C67F7D9A96}" srcOrd="0" destOrd="0" presId="urn:microsoft.com/office/officeart/2005/8/layout/default"/>
+    <dgm:cxn modelId="{8154006E-A1F8-48E9-909F-270F063C57C2}" type="presOf" srcId="{E9F87927-12D1-4FDF-B7F6-F8F9B262E348}" destId="{5E203E09-B179-4D55-9D92-7FB41A11BEAD}" srcOrd="0" destOrd="0" presId="urn:microsoft.com/office/officeart/2005/8/layout/default"/>
+    <dgm:cxn modelId="{040E6989-ABEF-403F-9137-56B0D1C63869}" srcId="{B4A69ED5-41AD-4CA2-8810-3059C29C1699}" destId="{9E3FE958-3877-4E30-958F-F37049F325D5}" srcOrd="2" destOrd="0" parTransId="{0B72720D-E5D2-4FEA-9F0A-B13E2EDF5DDE}" sibTransId="{ADDB4646-7CAE-4B21-9EDF-C5CE02B233CD}"/>
+    <dgm:cxn modelId="{9E2E239C-AEEF-4630-A9C6-691C1B2298A4}" srcId="{B4A69ED5-41AD-4CA2-8810-3059C29C1699}" destId="{9ACF749E-1DB9-4F03-BF67-B558B4F3CAF4}" srcOrd="4" destOrd="0" parTransId="{6715ABC8-C122-425A-B0C7-A4E0148F9614}" sibTransId="{BDAD7B7D-C9F8-43CB-BDC6-F5B4B207A5A5}"/>
+    <dgm:cxn modelId="{38CE34A4-FBF8-4135-BEA8-250D0CDA6DC0}" srcId="{B4A69ED5-41AD-4CA2-8810-3059C29C1699}" destId="{B5E752B3-161A-4D0D-BF95-FE1A799BF028}" srcOrd="1" destOrd="0" parTransId="{F65E3DAE-4F3A-4E55-87D2-747E8CEE7074}" sibTransId="{BE3000E9-3D53-4B41-978D-23A22A106EFD}"/>
+    <dgm:cxn modelId="{D2AF8BA5-03E9-4A23-B056-493B7E10E747}" srcId="{B4A69ED5-41AD-4CA2-8810-3059C29C1699}" destId="{89B5F20B-693F-4B4C-A083-BBF992AAC9A0}" srcOrd="5" destOrd="0" parTransId="{AA19300B-AB6D-4B9A-90C3-E2DEC855E7E4}" sibTransId="{64C3768D-25B3-473C-9C75-FD3707918751}"/>
+    <dgm:cxn modelId="{665083C9-02F7-49AB-B0F5-CCF8065AB389}" type="presOf" srcId="{C40B84BB-AE16-4F62-A52A-150788074208}" destId="{CEB01548-B4E2-4957-A649-8A772A2678D1}" srcOrd="0" destOrd="0" presId="urn:microsoft.com/office/officeart/2005/8/layout/default"/>
+    <dgm:cxn modelId="{4E90A8ED-CBBF-4630-8ADF-5CD0A9B0974C}" type="presOf" srcId="{B4A69ED5-41AD-4CA2-8810-3059C29C1699}" destId="{EC7FACEA-C263-44BB-9A40-116569C302B1}" srcOrd="0" destOrd="0" presId="urn:microsoft.com/office/officeart/2005/8/layout/default"/>
+    <dgm:cxn modelId="{7E15C7ED-A3E7-423C-8154-ED123C1CFC63}" type="presOf" srcId="{B5E752B3-161A-4D0D-BF95-FE1A799BF028}" destId="{F186FBBD-CF3E-4DFF-BE0C-4A6B87C4E24D}" srcOrd="0" destOrd="0" presId="urn:microsoft.com/office/officeart/2005/8/layout/default"/>
+    <dgm:cxn modelId="{A5D620F9-5271-48DA-B08C-8486B57D43B4}" type="presOf" srcId="{9ACF749E-1DB9-4F03-BF67-B558B4F3CAF4}" destId="{B835DF6C-7655-4E4F-8A6B-BFA2EF91A79B}" srcOrd="0" destOrd="0" presId="urn:microsoft.com/office/officeart/2005/8/layout/default"/>
+    <dgm:cxn modelId="{BFA645BC-6712-4EB0-B5E0-DF39BE01E6F5}" type="presParOf" srcId="{EC7FACEA-C263-44BB-9A40-116569C302B1}" destId="{5E203E09-B179-4D55-9D92-7FB41A11BEAD}" srcOrd="0" destOrd="0" presId="urn:microsoft.com/office/officeart/2005/8/layout/default"/>
+    <dgm:cxn modelId="{ABB96D2D-6D2A-4F89-AEE7-55C1AADFC1AC}" type="presParOf" srcId="{EC7FACEA-C263-44BB-9A40-116569C302B1}" destId="{76755918-4A61-4AF2-BB62-A759CC9ED58C}" srcOrd="1" destOrd="0" presId="urn:microsoft.com/office/officeart/2005/8/layout/default"/>
+    <dgm:cxn modelId="{D26A449F-2F8D-4078-8359-1C466E53F87F}" type="presParOf" srcId="{EC7FACEA-C263-44BB-9A40-116569C302B1}" destId="{F186FBBD-CF3E-4DFF-BE0C-4A6B87C4E24D}" srcOrd="2" destOrd="0" presId="urn:microsoft.com/office/officeart/2005/8/layout/default"/>
+    <dgm:cxn modelId="{15BA50E7-A723-4D1F-8871-1098A6CCB3CF}" type="presParOf" srcId="{EC7FACEA-C263-44BB-9A40-116569C302B1}" destId="{45A63261-DF43-4E03-89F8-F720A658286C}" srcOrd="3" destOrd="0" presId="urn:microsoft.com/office/officeart/2005/8/layout/default"/>
+    <dgm:cxn modelId="{357C2FF5-7AB8-4573-86CD-E40C70EDAC5E}" type="presParOf" srcId="{EC7FACEA-C263-44BB-9A40-116569C302B1}" destId="{EE7DACD1-7415-4254-9259-C2C67F7D9A96}" srcOrd="4" destOrd="0" presId="urn:microsoft.com/office/officeart/2005/8/layout/default"/>
+    <dgm:cxn modelId="{D5B29589-1C6A-4741-8D55-6B4A6129D965}" type="presParOf" srcId="{EC7FACEA-C263-44BB-9A40-116569C302B1}" destId="{0C633758-72CD-4631-9D14-26B278E402E6}" srcOrd="5" destOrd="0" presId="urn:microsoft.com/office/officeart/2005/8/layout/default"/>
+    <dgm:cxn modelId="{31F8DC17-CC16-4FE8-A7F5-0568421C11A9}" type="presParOf" srcId="{EC7FACEA-C263-44BB-9A40-116569C302B1}" destId="{CEB01548-B4E2-4957-A649-8A772A2678D1}" srcOrd="6" destOrd="0" presId="urn:microsoft.com/office/officeart/2005/8/layout/default"/>
+    <dgm:cxn modelId="{9C002378-2BB4-4964-8E72-03703CED820E}" type="presParOf" srcId="{EC7FACEA-C263-44BB-9A40-116569C302B1}" destId="{257FE0F2-67BE-4CB4-B1AC-3E59870353E6}" srcOrd="7" destOrd="0" presId="urn:microsoft.com/office/officeart/2005/8/layout/default"/>
+    <dgm:cxn modelId="{49A73136-E062-4C3F-BE86-89E4662F069F}" type="presParOf" srcId="{EC7FACEA-C263-44BB-9A40-116569C302B1}" destId="{B835DF6C-7655-4E4F-8A6B-BFA2EF91A79B}" srcOrd="8" destOrd="0" presId="urn:microsoft.com/office/officeart/2005/8/layout/default"/>
+    <dgm:cxn modelId="{92624A29-8770-4058-A819-710218B613F7}" type="presParOf" srcId="{EC7FACEA-C263-44BB-9A40-116569C302B1}" destId="{BD6D28EB-A238-4A96-A638-E78207B38DFA}" srcOrd="9" destOrd="0" presId="urn:microsoft.com/office/officeart/2005/8/layout/default"/>
+    <dgm:cxn modelId="{D42F2F6B-E23B-4479-8BC7-0A93BFA68469}" type="presParOf" srcId="{EC7FACEA-C263-44BB-9A40-116569C302B1}" destId="{F7EAF17F-AFF0-48C3-B0BD-59EDA0A3A3A8}" srcOrd="10" destOrd="0" presId="urn:microsoft.com/office/officeart/2005/8/layout/default"/>
+  </dgm:cxnLst>
+  <dgm:bg/>
+  <dgm:whole/>
+  <dgm:extLst>
+    <a:ext uri="http://schemas.microsoft.com/office/drawing/2008/diagram">
+      <dsp:dataModelExt xmlns:dsp="http://schemas.microsoft.com/office/drawing/2008/diagram" relId="rId17" minVer="http://schemas.openxmlformats.org/drawingml/2006/diagram"/>
     </a:ext>
   </dgm:extLst>
 </dgm:dataModel>
@@ -1382,7 +2558,7 @@
           </a:pPr>
           <a:r>
             <a:rPr lang="en-GB" sz="1000" kern="1200" dirty="0"/>
-            <a:t>INTENTION </a:t>
+            <a:t> INTENTION </a:t>
           </a:r>
         </a:p>
         <a:p>
@@ -1552,6 +2728,562 @@
           <a:schemeClr val="lt1"/>
         </a:fontRef>
       </dsp:style>
+    </dsp:sp>
+  </dsp:spTree>
+</dsp:drawing>
+</file>
+
+<file path=ppt/diagrams/drawing2.xml><?xml version="1.0" encoding="utf-8"?>
+<dsp:drawing xmlns:dgm="http://schemas.openxmlformats.org/drawingml/2006/diagram" xmlns:dsp="http://schemas.microsoft.com/office/drawing/2008/diagram" xmlns:a="http://schemas.openxmlformats.org/drawingml/2006/main">
+  <dsp:spTree>
+    <dsp:nvGrpSpPr>
+      <dsp:cNvPr id="0" name=""/>
+      <dsp:cNvGrpSpPr/>
+    </dsp:nvGrpSpPr>
+    <dsp:grpSpPr/>
+    <dsp:sp modelId="{5E203E09-B179-4D55-9D92-7FB41A11BEAD}">
+      <dsp:nvSpPr>
+        <dsp:cNvPr id="0" name=""/>
+        <dsp:cNvSpPr/>
+      </dsp:nvSpPr>
+      <dsp:spPr>
+        <a:xfrm>
+          <a:off x="0" y="491297"/>
+          <a:ext cx="1489990" cy="893994"/>
+        </a:xfrm>
+        <a:prstGeom prst="rect">
+          <a:avLst/>
+        </a:prstGeom>
+        <a:solidFill>
+          <a:schemeClr val="accent1">
+            <a:lumMod val="75000"/>
+          </a:schemeClr>
+        </a:solidFill>
+        <a:ln>
+          <a:noFill/>
+        </a:ln>
+        <a:effectLst>
+          <a:outerShdw blurRad="57150" dist="19050" dir="5400000" algn="ctr" rotWithShape="0">
+            <a:srgbClr val="000000">
+              <a:alpha val="63000"/>
+            </a:srgbClr>
+          </a:outerShdw>
+        </a:effectLst>
+      </dsp:spPr>
+      <dsp:style>
+        <a:lnRef idx="0">
+          <a:scrgbClr r="0" g="0" b="0"/>
+        </a:lnRef>
+        <a:fillRef idx="3">
+          <a:scrgbClr r="0" g="0" b="0"/>
+        </a:fillRef>
+        <a:effectRef idx="3">
+          <a:scrgbClr r="0" g="0" b="0"/>
+        </a:effectRef>
+        <a:fontRef idx="minor">
+          <a:schemeClr val="lt1"/>
+        </a:fontRef>
+      </dsp:style>
+      <dsp:txBody>
+        <a:bodyPr spcFirstLastPara="0" vert="horz" wrap="square" lIns="45720" tIns="45720" rIns="45720" bIns="45720" numCol="1" spcCol="1270" anchor="ctr" anchorCtr="0">
+          <a:noAutofit/>
+        </a:bodyPr>
+        <a:lstStyle/>
+        <a:p>
+          <a:pPr marL="0" lvl="0" indent="0" algn="ctr" defTabSz="533400">
+            <a:lnSpc>
+              <a:spcPct val="90000"/>
+            </a:lnSpc>
+            <a:spcBef>
+              <a:spcPct val="0"/>
+            </a:spcBef>
+            <a:spcAft>
+              <a:spcPct val="35000"/>
+            </a:spcAft>
+            <a:buNone/>
+          </a:pPr>
+          <a:r>
+            <a:rPr lang="en-GB" sz="1200" kern="1200" dirty="0"/>
+            <a:t>SALES</a:t>
+          </a:r>
+        </a:p>
+        <a:p>
+          <a:pPr marL="0" lvl="0" indent="0" algn="ctr" defTabSz="533400">
+            <a:lnSpc>
+              <a:spcPct val="90000"/>
+            </a:lnSpc>
+            <a:spcBef>
+              <a:spcPct val="0"/>
+            </a:spcBef>
+            <a:spcAft>
+              <a:spcPct val="35000"/>
+            </a:spcAft>
+            <a:buNone/>
+          </a:pPr>
+          <a:r>
+            <a:rPr lang="en-GB" sz="1000" i="1" kern="1200" dirty="0"/>
+            <a:t>Hyper-personalized recommendations &amp; predictive lead scoring</a:t>
+          </a:r>
+          <a:r>
+            <a:rPr lang="en-GB" sz="1000" kern="1200" dirty="0"/>
+            <a:t> </a:t>
+          </a:r>
+        </a:p>
+      </dsp:txBody>
+      <dsp:txXfrm>
+        <a:off x="0" y="491297"/>
+        <a:ext cx="1489990" cy="893994"/>
+      </dsp:txXfrm>
+    </dsp:sp>
+    <dsp:sp modelId="{F186FBBD-CF3E-4DFF-BE0C-4A6B87C4E24D}">
+      <dsp:nvSpPr>
+        <dsp:cNvPr id="0" name=""/>
+        <dsp:cNvSpPr/>
+      </dsp:nvSpPr>
+      <dsp:spPr>
+        <a:xfrm>
+          <a:off x="1638989" y="491297"/>
+          <a:ext cx="1489990" cy="893994"/>
+        </a:xfrm>
+        <a:prstGeom prst="rect">
+          <a:avLst/>
+        </a:prstGeom>
+        <a:solidFill>
+          <a:schemeClr val="accent1">
+            <a:lumMod val="75000"/>
+          </a:schemeClr>
+        </a:solidFill>
+        <a:ln>
+          <a:noFill/>
+        </a:ln>
+        <a:effectLst>
+          <a:outerShdw blurRad="57150" dist="19050" dir="5400000" algn="ctr" rotWithShape="0">
+            <a:srgbClr val="000000">
+              <a:alpha val="63000"/>
+            </a:srgbClr>
+          </a:outerShdw>
+        </a:effectLst>
+      </dsp:spPr>
+      <dsp:style>
+        <a:lnRef idx="0">
+          <a:scrgbClr r="0" g="0" b="0"/>
+        </a:lnRef>
+        <a:fillRef idx="3">
+          <a:scrgbClr r="0" g="0" b="0"/>
+        </a:fillRef>
+        <a:effectRef idx="3">
+          <a:scrgbClr r="0" g="0" b="0"/>
+        </a:effectRef>
+        <a:fontRef idx="minor">
+          <a:schemeClr val="lt1"/>
+        </a:fontRef>
+      </dsp:style>
+      <dsp:txBody>
+        <a:bodyPr spcFirstLastPara="0" vert="horz" wrap="square" lIns="45720" tIns="45720" rIns="45720" bIns="45720" numCol="1" spcCol="1270" anchor="ctr" anchorCtr="0">
+          <a:noAutofit/>
+        </a:bodyPr>
+        <a:lstStyle/>
+        <a:p>
+          <a:pPr marL="0" lvl="0" indent="0" algn="ctr" defTabSz="533400">
+            <a:lnSpc>
+              <a:spcPct val="90000"/>
+            </a:lnSpc>
+            <a:spcBef>
+              <a:spcPct val="0"/>
+            </a:spcBef>
+            <a:spcAft>
+              <a:spcPct val="35000"/>
+            </a:spcAft>
+            <a:buNone/>
+          </a:pPr>
+          <a:r>
+            <a:rPr lang="en-GB" sz="1200" kern="1200" dirty="0"/>
+            <a:t>SUPPLY CHAIN</a:t>
+          </a:r>
+        </a:p>
+        <a:p>
+          <a:pPr marL="0" lvl="0" indent="0" algn="ctr" defTabSz="533400">
+            <a:lnSpc>
+              <a:spcPct val="90000"/>
+            </a:lnSpc>
+            <a:spcBef>
+              <a:spcPct val="0"/>
+            </a:spcBef>
+            <a:spcAft>
+              <a:spcPct val="35000"/>
+            </a:spcAft>
+            <a:buNone/>
+          </a:pPr>
+          <a:r>
+            <a:rPr lang="en-GB" sz="1000" i="1" kern="1200" dirty="0"/>
+            <a:t>Integrate customer insights to ensure production aligns with forecasted demand</a:t>
+          </a:r>
+        </a:p>
+      </dsp:txBody>
+      <dsp:txXfrm>
+        <a:off x="1638989" y="491297"/>
+        <a:ext cx="1489990" cy="893994"/>
+      </dsp:txXfrm>
+    </dsp:sp>
+    <dsp:sp modelId="{EE7DACD1-7415-4254-9259-C2C67F7D9A96}">
+      <dsp:nvSpPr>
+        <dsp:cNvPr id="0" name=""/>
+        <dsp:cNvSpPr/>
+      </dsp:nvSpPr>
+      <dsp:spPr>
+        <a:xfrm>
+          <a:off x="3277978" y="491297"/>
+          <a:ext cx="1489990" cy="893994"/>
+        </a:xfrm>
+        <a:prstGeom prst="rect">
+          <a:avLst/>
+        </a:prstGeom>
+        <a:solidFill>
+          <a:schemeClr val="accent1">
+            <a:lumMod val="75000"/>
+          </a:schemeClr>
+        </a:solidFill>
+        <a:ln>
+          <a:noFill/>
+        </a:ln>
+        <a:effectLst>
+          <a:outerShdw blurRad="57150" dist="19050" dir="5400000" algn="ctr" rotWithShape="0">
+            <a:srgbClr val="000000">
+              <a:alpha val="63000"/>
+            </a:srgbClr>
+          </a:outerShdw>
+        </a:effectLst>
+      </dsp:spPr>
+      <dsp:style>
+        <a:lnRef idx="0">
+          <a:scrgbClr r="0" g="0" b="0"/>
+        </a:lnRef>
+        <a:fillRef idx="3">
+          <a:scrgbClr r="0" g="0" b="0"/>
+        </a:fillRef>
+        <a:effectRef idx="3">
+          <a:scrgbClr r="0" g="0" b="0"/>
+        </a:effectRef>
+        <a:fontRef idx="minor">
+          <a:schemeClr val="lt1"/>
+        </a:fontRef>
+      </dsp:style>
+      <dsp:txBody>
+        <a:bodyPr spcFirstLastPara="0" vert="horz" wrap="square" lIns="45720" tIns="45720" rIns="45720" bIns="45720" numCol="1" spcCol="1270" anchor="ctr" anchorCtr="0">
+          <a:noAutofit/>
+        </a:bodyPr>
+        <a:lstStyle/>
+        <a:p>
+          <a:pPr marL="0" lvl="0" indent="0" algn="ctr" defTabSz="533400">
+            <a:lnSpc>
+              <a:spcPct val="90000"/>
+            </a:lnSpc>
+            <a:spcBef>
+              <a:spcPct val="0"/>
+            </a:spcBef>
+            <a:spcAft>
+              <a:spcPct val="35000"/>
+            </a:spcAft>
+            <a:buNone/>
+          </a:pPr>
+          <a:r>
+            <a:rPr lang="en-GB" sz="1200" kern="1200" dirty="0"/>
+            <a:t>FINANCE</a:t>
+          </a:r>
+        </a:p>
+        <a:p>
+          <a:pPr marL="0" lvl="0" indent="0" algn="ctr" defTabSz="533400">
+            <a:lnSpc>
+              <a:spcPct val="90000"/>
+            </a:lnSpc>
+            <a:spcBef>
+              <a:spcPct val="0"/>
+            </a:spcBef>
+            <a:spcAft>
+              <a:spcPct val="35000"/>
+            </a:spcAft>
+            <a:buNone/>
+          </a:pPr>
+          <a:r>
+            <a:rPr lang="en-GB" sz="1000" i="1" kern="1200" dirty="0"/>
+            <a:t>Digital advisors analyse investment data, assess risks &amp; offer customized financial guidance</a:t>
+          </a:r>
+        </a:p>
+      </dsp:txBody>
+      <dsp:txXfrm>
+        <a:off x="3277978" y="491297"/>
+        <a:ext cx="1489990" cy="893994"/>
+      </dsp:txXfrm>
+    </dsp:sp>
+    <dsp:sp modelId="{CEB01548-B4E2-4957-A649-8A772A2678D1}">
+      <dsp:nvSpPr>
+        <dsp:cNvPr id="0" name=""/>
+        <dsp:cNvSpPr/>
+      </dsp:nvSpPr>
+      <dsp:spPr>
+        <a:xfrm>
+          <a:off x="0" y="1534291"/>
+          <a:ext cx="1489990" cy="893994"/>
+        </a:xfrm>
+        <a:prstGeom prst="rect">
+          <a:avLst/>
+        </a:prstGeom>
+        <a:solidFill>
+          <a:schemeClr val="accent1">
+            <a:lumMod val="75000"/>
+          </a:schemeClr>
+        </a:solidFill>
+        <a:ln>
+          <a:noFill/>
+        </a:ln>
+        <a:effectLst>
+          <a:outerShdw blurRad="57150" dist="19050" dir="5400000" algn="ctr" rotWithShape="0">
+            <a:srgbClr val="000000">
+              <a:alpha val="63000"/>
+            </a:srgbClr>
+          </a:outerShdw>
+        </a:effectLst>
+      </dsp:spPr>
+      <dsp:style>
+        <a:lnRef idx="0">
+          <a:scrgbClr r="0" g="0" b="0"/>
+        </a:lnRef>
+        <a:fillRef idx="3">
+          <a:scrgbClr r="0" g="0" b="0"/>
+        </a:fillRef>
+        <a:effectRef idx="3">
+          <a:scrgbClr r="0" g="0" b="0"/>
+        </a:effectRef>
+        <a:fontRef idx="minor">
+          <a:schemeClr val="lt1"/>
+        </a:fontRef>
+      </dsp:style>
+      <dsp:txBody>
+        <a:bodyPr spcFirstLastPara="0" vert="horz" wrap="square" lIns="45720" tIns="45720" rIns="45720" bIns="45720" numCol="1" spcCol="1270" anchor="ctr" anchorCtr="0">
+          <a:noAutofit/>
+        </a:bodyPr>
+        <a:lstStyle/>
+        <a:p>
+          <a:pPr marL="0" lvl="0" indent="0" algn="ctr" defTabSz="533400">
+            <a:lnSpc>
+              <a:spcPct val="90000"/>
+            </a:lnSpc>
+            <a:spcBef>
+              <a:spcPct val="0"/>
+            </a:spcBef>
+            <a:spcAft>
+              <a:spcPct val="35000"/>
+            </a:spcAft>
+            <a:buNone/>
+          </a:pPr>
+          <a:r>
+            <a:rPr lang="en-GB" sz="1200" kern="1200" dirty="0"/>
+            <a:t>GOVERNMENTS</a:t>
+          </a:r>
+        </a:p>
+        <a:p>
+          <a:pPr marL="0" lvl="0" indent="0" algn="ctr" defTabSz="533400">
+            <a:lnSpc>
+              <a:spcPct val="90000"/>
+            </a:lnSpc>
+            <a:spcBef>
+              <a:spcPct val="0"/>
+            </a:spcBef>
+            <a:spcAft>
+              <a:spcPct val="35000"/>
+            </a:spcAft>
+            <a:buNone/>
+          </a:pPr>
+          <a:r>
+            <a:rPr lang="en-GB" sz="1000" i="1" kern="1200" dirty="0"/>
+            <a:t>Logistics, defence, public planning</a:t>
+          </a:r>
+        </a:p>
+      </dsp:txBody>
+      <dsp:txXfrm>
+        <a:off x="0" y="1534291"/>
+        <a:ext cx="1489990" cy="893994"/>
+      </dsp:txXfrm>
+    </dsp:sp>
+    <dsp:sp modelId="{B835DF6C-7655-4E4F-8A6B-BFA2EF91A79B}">
+      <dsp:nvSpPr>
+        <dsp:cNvPr id="0" name=""/>
+        <dsp:cNvSpPr/>
+      </dsp:nvSpPr>
+      <dsp:spPr>
+        <a:xfrm>
+          <a:off x="1638989" y="1534291"/>
+          <a:ext cx="1489990" cy="893994"/>
+        </a:xfrm>
+        <a:prstGeom prst="rect">
+          <a:avLst/>
+        </a:prstGeom>
+        <a:solidFill>
+          <a:schemeClr val="accent1">
+            <a:lumMod val="75000"/>
+          </a:schemeClr>
+        </a:solidFill>
+        <a:ln>
+          <a:noFill/>
+        </a:ln>
+        <a:effectLst>
+          <a:outerShdw blurRad="57150" dist="19050" dir="5400000" algn="ctr" rotWithShape="0">
+            <a:srgbClr val="000000">
+              <a:alpha val="63000"/>
+            </a:srgbClr>
+          </a:outerShdw>
+        </a:effectLst>
+      </dsp:spPr>
+      <dsp:style>
+        <a:lnRef idx="0">
+          <a:scrgbClr r="0" g="0" b="0"/>
+        </a:lnRef>
+        <a:fillRef idx="3">
+          <a:scrgbClr r="0" g="0" b="0"/>
+        </a:fillRef>
+        <a:effectRef idx="3">
+          <a:scrgbClr r="0" g="0" b="0"/>
+        </a:effectRef>
+        <a:fontRef idx="minor">
+          <a:schemeClr val="lt1"/>
+        </a:fontRef>
+      </dsp:style>
+      <dsp:txBody>
+        <a:bodyPr spcFirstLastPara="0" vert="horz" wrap="square" lIns="45720" tIns="45720" rIns="45720" bIns="45720" numCol="1" spcCol="1270" anchor="ctr" anchorCtr="0">
+          <a:noAutofit/>
+        </a:bodyPr>
+        <a:lstStyle/>
+        <a:p>
+          <a:pPr marL="0" lvl="0" indent="0" algn="ctr" defTabSz="533400">
+            <a:lnSpc>
+              <a:spcPct val="90000"/>
+            </a:lnSpc>
+            <a:spcBef>
+              <a:spcPct val="0"/>
+            </a:spcBef>
+            <a:spcAft>
+              <a:spcPct val="35000"/>
+            </a:spcAft>
+            <a:buNone/>
+          </a:pPr>
+          <a:r>
+            <a:rPr lang="en-GB" sz="1200" kern="1200" dirty="0"/>
+            <a:t>TELEHEALTH</a:t>
+          </a:r>
+        </a:p>
+        <a:p>
+          <a:pPr marL="0" lvl="0" indent="0" algn="ctr" defTabSz="533400">
+            <a:lnSpc>
+              <a:spcPct val="90000"/>
+            </a:lnSpc>
+            <a:spcBef>
+              <a:spcPct val="0"/>
+            </a:spcBef>
+            <a:spcAft>
+              <a:spcPct val="35000"/>
+            </a:spcAft>
+            <a:buNone/>
+          </a:pPr>
+          <a:r>
+            <a:rPr lang="en-GB" sz="1000" i="1" kern="1200" dirty="0"/>
+            <a:t>Track patient history, symptoms &amp; real-time vital signs</a:t>
+          </a:r>
+        </a:p>
+      </dsp:txBody>
+      <dsp:txXfrm>
+        <a:off x="1638989" y="1534291"/>
+        <a:ext cx="1489990" cy="893994"/>
+      </dsp:txXfrm>
+    </dsp:sp>
+    <dsp:sp modelId="{F7EAF17F-AFF0-48C3-B0BD-59EDA0A3A3A8}">
+      <dsp:nvSpPr>
+        <dsp:cNvPr id="0" name=""/>
+        <dsp:cNvSpPr/>
+      </dsp:nvSpPr>
+      <dsp:spPr>
+        <a:xfrm>
+          <a:off x="3277978" y="1534291"/>
+          <a:ext cx="1489990" cy="893994"/>
+        </a:xfrm>
+        <a:prstGeom prst="rect">
+          <a:avLst/>
+        </a:prstGeom>
+        <a:solidFill>
+          <a:schemeClr val="accent1">
+            <a:lumMod val="75000"/>
+          </a:schemeClr>
+        </a:solidFill>
+        <a:ln>
+          <a:noFill/>
+        </a:ln>
+        <a:effectLst>
+          <a:outerShdw blurRad="57150" dist="19050" dir="5400000" algn="ctr" rotWithShape="0">
+            <a:srgbClr val="000000">
+              <a:alpha val="63000"/>
+            </a:srgbClr>
+          </a:outerShdw>
+        </a:effectLst>
+      </dsp:spPr>
+      <dsp:style>
+        <a:lnRef idx="0">
+          <a:scrgbClr r="0" g="0" b="0"/>
+        </a:lnRef>
+        <a:fillRef idx="3">
+          <a:scrgbClr r="0" g="0" b="0"/>
+        </a:fillRef>
+        <a:effectRef idx="3">
+          <a:scrgbClr r="0" g="0" b="0"/>
+        </a:effectRef>
+        <a:fontRef idx="minor">
+          <a:schemeClr val="lt1"/>
+        </a:fontRef>
+      </dsp:style>
+      <dsp:txBody>
+        <a:bodyPr spcFirstLastPara="0" vert="horz" wrap="square" lIns="45720" tIns="45720" rIns="45720" bIns="45720" numCol="1" spcCol="1270" anchor="ctr" anchorCtr="0">
+          <a:noAutofit/>
+        </a:bodyPr>
+        <a:lstStyle/>
+        <a:p>
+          <a:pPr marL="0" lvl="0" indent="0" algn="ctr" defTabSz="533400">
+            <a:lnSpc>
+              <a:spcPct val="90000"/>
+            </a:lnSpc>
+            <a:spcBef>
+              <a:spcPct val="0"/>
+            </a:spcBef>
+            <a:spcAft>
+              <a:spcPct val="35000"/>
+            </a:spcAft>
+            <a:buNone/>
+          </a:pPr>
+          <a:r>
+            <a:rPr lang="en-GB" sz="1200" kern="1200" dirty="0"/>
+            <a:t>ACADEMIA</a:t>
+          </a:r>
+        </a:p>
+        <a:p>
+          <a:pPr marL="0" lvl="0" indent="0" algn="ctr" defTabSz="533400">
+            <a:lnSpc>
+              <a:spcPct val="90000"/>
+            </a:lnSpc>
+            <a:spcBef>
+              <a:spcPct val="0"/>
+            </a:spcBef>
+            <a:spcAft>
+              <a:spcPct val="35000"/>
+            </a:spcAft>
+            <a:buNone/>
+          </a:pPr>
+          <a:r>
+            <a:rPr lang="en-GB" sz="1000" i="1" kern="1200" dirty="0"/>
+            <a:t>Virtual mentors to guide students through coursework and research</a:t>
+          </a:r>
+        </a:p>
+      </dsp:txBody>
+      <dsp:txXfrm>
+        <a:off x="3277978" y="1534291"/>
+        <a:ext cx="1489990" cy="893994"/>
+      </dsp:txXfrm>
     </dsp:sp>
   </dsp:spTree>
 </dsp:drawing>
@@ -3317,6 +5049,153 @@
 </dgm:layoutDef>
 </file>
 
+<file path=ppt/diagrams/layout2.xml><?xml version="1.0" encoding="utf-8"?>
+<dgm:layoutDef xmlns:dgm="http://schemas.openxmlformats.org/drawingml/2006/diagram" xmlns:a="http://schemas.openxmlformats.org/drawingml/2006/main" uniqueId="urn:microsoft.com/office/officeart/2005/8/layout/default">
+  <dgm:title val=""/>
+  <dgm:desc val=""/>
+  <dgm:catLst>
+    <dgm:cat type="list" pri="400"/>
+  </dgm:catLst>
+  <dgm:sampData>
+    <dgm:dataModel>
+      <dgm:ptLst>
+        <dgm:pt modelId="0" type="doc"/>
+        <dgm:pt modelId="1">
+          <dgm:prSet phldr="1"/>
+        </dgm:pt>
+        <dgm:pt modelId="2">
+          <dgm:prSet phldr="1"/>
+        </dgm:pt>
+        <dgm:pt modelId="3">
+          <dgm:prSet phldr="1"/>
+        </dgm:pt>
+        <dgm:pt modelId="4">
+          <dgm:prSet phldr="1"/>
+        </dgm:pt>
+        <dgm:pt modelId="5">
+          <dgm:prSet phldr="1"/>
+        </dgm:pt>
+      </dgm:ptLst>
+      <dgm:cxnLst>
+        <dgm:cxn modelId="6" srcId="0" destId="1" srcOrd="0" destOrd="0"/>
+        <dgm:cxn modelId="7" srcId="0" destId="2" srcOrd="1" destOrd="0"/>
+        <dgm:cxn modelId="8" srcId="0" destId="3" srcOrd="2" destOrd="0"/>
+        <dgm:cxn modelId="9" srcId="0" destId="4" srcOrd="3" destOrd="0"/>
+        <dgm:cxn modelId="10" srcId="0" destId="5" srcOrd="4" destOrd="0"/>
+      </dgm:cxnLst>
+      <dgm:bg/>
+      <dgm:whole/>
+    </dgm:dataModel>
+  </dgm:sampData>
+  <dgm:styleData>
+    <dgm:dataModel>
+      <dgm:ptLst>
+        <dgm:pt modelId="0" type="doc"/>
+        <dgm:pt modelId="1"/>
+        <dgm:pt modelId="2"/>
+      </dgm:ptLst>
+      <dgm:cxnLst>
+        <dgm:cxn modelId="3" srcId="0" destId="1" srcOrd="0" destOrd="0"/>
+        <dgm:cxn modelId="4" srcId="0" destId="2" srcOrd="1" destOrd="0"/>
+      </dgm:cxnLst>
+      <dgm:bg/>
+      <dgm:whole/>
+    </dgm:dataModel>
+  </dgm:styleData>
+  <dgm:clrData>
+    <dgm:dataModel>
+      <dgm:ptLst>
+        <dgm:pt modelId="0" type="doc"/>
+        <dgm:pt modelId="1"/>
+        <dgm:pt modelId="2"/>
+        <dgm:pt modelId="3"/>
+        <dgm:pt modelId="4"/>
+        <dgm:pt modelId="5"/>
+        <dgm:pt modelId="6"/>
+      </dgm:ptLst>
+      <dgm:cxnLst>
+        <dgm:cxn modelId="7" srcId="0" destId="1" srcOrd="0" destOrd="0"/>
+        <dgm:cxn modelId="8" srcId="0" destId="2" srcOrd="1" destOrd="0"/>
+        <dgm:cxn modelId="9" srcId="0" destId="3" srcOrd="2" destOrd="0"/>
+        <dgm:cxn modelId="10" srcId="0" destId="4" srcOrd="3" destOrd="0"/>
+        <dgm:cxn modelId="11" srcId="0" destId="5" srcOrd="4" destOrd="0"/>
+        <dgm:cxn modelId="12" srcId="0" destId="6" srcOrd="5" destOrd="0"/>
+      </dgm:cxnLst>
+      <dgm:bg/>
+      <dgm:whole/>
+    </dgm:dataModel>
+  </dgm:clrData>
+  <dgm:layoutNode name="diagram">
+    <dgm:varLst>
+      <dgm:dir/>
+      <dgm:resizeHandles val="exact"/>
+    </dgm:varLst>
+    <dgm:choose name="Name0">
+      <dgm:if name="Name1" func="var" arg="dir" op="equ" val="norm">
+        <dgm:alg type="snake">
+          <dgm:param type="grDir" val="tL"/>
+          <dgm:param type="flowDir" val="row"/>
+          <dgm:param type="contDir" val="sameDir"/>
+          <dgm:param type="off" val="ctr"/>
+        </dgm:alg>
+      </dgm:if>
+      <dgm:else name="Name2">
+        <dgm:alg type="snake">
+          <dgm:param type="grDir" val="tR"/>
+          <dgm:param type="flowDir" val="row"/>
+          <dgm:param type="contDir" val="sameDir"/>
+          <dgm:param type="off" val="ctr"/>
+        </dgm:alg>
+      </dgm:else>
+    </dgm:choose>
+    <dgm:shape xmlns:r="http://schemas.openxmlformats.org/officeDocument/2006/relationships" r:blip="">
+      <dgm:adjLst/>
+    </dgm:shape>
+    <dgm:presOf/>
+    <dgm:constrLst>
+      <dgm:constr type="w" for="ch" forName="node" refType="w"/>
+      <dgm:constr type="h" for="ch" forName="node" refType="w" refFor="ch" refForName="node" fact="0.6"/>
+      <dgm:constr type="w" for="ch" forName="sibTrans" refType="w" refFor="ch" refForName="node" fact="0.1"/>
+      <dgm:constr type="sp" refType="w" refFor="ch" refForName="sibTrans"/>
+      <dgm:constr type="primFontSz" for="ch" forName="node" op="equ" val="65"/>
+    </dgm:constrLst>
+    <dgm:ruleLst/>
+    <dgm:forEach name="Name3" axis="ch" ptType="node">
+      <dgm:layoutNode name="node">
+        <dgm:varLst>
+          <dgm:bulletEnabled val="1"/>
+        </dgm:varLst>
+        <dgm:alg type="tx"/>
+        <dgm:shape xmlns:r="http://schemas.openxmlformats.org/officeDocument/2006/relationships" type="rect" r:blip="">
+          <dgm:adjLst/>
+        </dgm:shape>
+        <dgm:presOf axis="desOrSelf" ptType="node"/>
+        <dgm:constrLst>
+          <dgm:constr type="lMarg" refType="primFontSz" fact="0.3"/>
+          <dgm:constr type="rMarg" refType="primFontSz" fact="0.3"/>
+          <dgm:constr type="tMarg" refType="primFontSz" fact="0.3"/>
+          <dgm:constr type="bMarg" refType="primFontSz" fact="0.3"/>
+        </dgm:constrLst>
+        <dgm:ruleLst>
+          <dgm:rule type="primFontSz" val="5" fact="NaN" max="NaN"/>
+        </dgm:ruleLst>
+      </dgm:layoutNode>
+      <dgm:forEach name="Name4" axis="followSib" ptType="sibTrans" cnt="1">
+        <dgm:layoutNode name="sibTrans">
+          <dgm:alg type="sp"/>
+          <dgm:shape xmlns:r="http://schemas.openxmlformats.org/officeDocument/2006/relationships" r:blip="">
+            <dgm:adjLst/>
+          </dgm:shape>
+          <dgm:presOf/>
+          <dgm:constrLst/>
+          <dgm:ruleLst/>
+        </dgm:layoutNode>
+      </dgm:forEach>
+    </dgm:forEach>
+  </dgm:layoutNode>
+</dgm:layoutDef>
+</file>
+
 <file path=ppt/diagrams/quickStyle1.xml><?xml version="1.0" encoding="utf-8"?>
 <dgm:styleDef xmlns:dgm="http://schemas.openxmlformats.org/drawingml/2006/diagram" xmlns:a="http://schemas.openxmlformats.org/drawingml/2006/main" uniqueId="urn:microsoft.com/office/officeart/2005/8/quickstyle/simple1">
   <dgm:title val=""/>
@@ -4323,6 +6202,1040 @@
         <a:scrgbClr r="0" g="0" b="0"/>
       </a:fillRef>
       <a:effectRef idx="0">
+        <a:scrgbClr r="0" g="0" b="0"/>
+      </a:effectRef>
+      <a:fontRef idx="minor"/>
+    </dgm:style>
+  </dgm:styleLbl>
+  <dgm:styleLbl name="revTx">
+    <dgm:scene3d>
+      <a:camera prst="orthographicFront"/>
+      <a:lightRig rig="threePt" dir="t"/>
+    </dgm:scene3d>
+    <dgm:sp3d/>
+    <dgm:txPr/>
+    <dgm:style>
+      <a:lnRef idx="0">
+        <a:scrgbClr r="0" g="0" b="0"/>
+      </a:lnRef>
+      <a:fillRef idx="0">
+        <a:scrgbClr r="0" g="0" b="0"/>
+      </a:fillRef>
+      <a:effectRef idx="0">
+        <a:scrgbClr r="0" g="0" b="0"/>
+      </a:effectRef>
+      <a:fontRef idx="minor"/>
+    </dgm:style>
+  </dgm:styleLbl>
+</dgm:styleDef>
+</file>
+
+<file path=ppt/diagrams/quickStyle2.xml><?xml version="1.0" encoding="utf-8"?>
+<dgm:styleDef xmlns:dgm="http://schemas.openxmlformats.org/drawingml/2006/diagram" xmlns:a="http://schemas.openxmlformats.org/drawingml/2006/main" uniqueId="urn:microsoft.com/office/officeart/2005/8/quickstyle/simple5">
+  <dgm:title val=""/>
+  <dgm:desc val=""/>
+  <dgm:catLst>
+    <dgm:cat type="simple" pri="10500"/>
+  </dgm:catLst>
+  <dgm:scene3d>
+    <a:camera prst="orthographicFront"/>
+    <a:lightRig rig="threePt" dir="t"/>
+  </dgm:scene3d>
+  <dgm:styleLbl name="node0">
+    <dgm:scene3d>
+      <a:camera prst="orthographicFront"/>
+      <a:lightRig rig="threePt" dir="t"/>
+    </dgm:scene3d>
+    <dgm:sp3d/>
+    <dgm:txPr/>
+    <dgm:style>
+      <a:lnRef idx="0">
+        <a:scrgbClr r="0" g="0" b="0"/>
+      </a:lnRef>
+      <a:fillRef idx="3">
+        <a:scrgbClr r="0" g="0" b="0"/>
+      </a:fillRef>
+      <a:effectRef idx="3">
+        <a:scrgbClr r="0" g="0" b="0"/>
+      </a:effectRef>
+      <a:fontRef idx="minor">
+        <a:schemeClr val="lt1"/>
+      </a:fontRef>
+    </dgm:style>
+  </dgm:styleLbl>
+  <dgm:styleLbl name="lnNode1">
+    <dgm:scene3d>
+      <a:camera prst="orthographicFront"/>
+      <a:lightRig rig="threePt" dir="t"/>
+    </dgm:scene3d>
+    <dgm:sp3d/>
+    <dgm:txPr/>
+    <dgm:style>
+      <a:lnRef idx="0">
+        <a:scrgbClr r="0" g="0" b="0"/>
+      </a:lnRef>
+      <a:fillRef idx="3">
+        <a:scrgbClr r="0" g="0" b="0"/>
+      </a:fillRef>
+      <a:effectRef idx="3">
+        <a:scrgbClr r="0" g="0" b="0"/>
+      </a:effectRef>
+      <a:fontRef idx="minor">
+        <a:schemeClr val="lt1"/>
+      </a:fontRef>
+    </dgm:style>
+  </dgm:styleLbl>
+  <dgm:styleLbl name="vennNode1">
+    <dgm:scene3d>
+      <a:camera prst="orthographicFront"/>
+      <a:lightRig rig="threePt" dir="t"/>
+    </dgm:scene3d>
+    <dgm:sp3d/>
+    <dgm:txPr/>
+    <dgm:style>
+      <a:lnRef idx="0">
+        <a:scrgbClr r="0" g="0" b="0"/>
+      </a:lnRef>
+      <a:fillRef idx="3">
+        <a:scrgbClr r="0" g="0" b="0"/>
+      </a:fillRef>
+      <a:effectRef idx="3">
+        <a:scrgbClr r="0" g="0" b="0"/>
+      </a:effectRef>
+      <a:fontRef idx="minor">
+        <a:schemeClr val="tx1"/>
+      </a:fontRef>
+    </dgm:style>
+  </dgm:styleLbl>
+  <dgm:styleLbl name="alignNode1">
+    <dgm:scene3d>
+      <a:camera prst="orthographicFront"/>
+      <a:lightRig rig="threePt" dir="t"/>
+    </dgm:scene3d>
+    <dgm:sp3d/>
+    <dgm:txPr/>
+    <dgm:style>
+      <a:lnRef idx="1">
+        <a:scrgbClr r="0" g="0" b="0"/>
+      </a:lnRef>
+      <a:fillRef idx="3">
+        <a:scrgbClr r="0" g="0" b="0"/>
+      </a:fillRef>
+      <a:effectRef idx="3">
+        <a:scrgbClr r="0" g="0" b="0"/>
+      </a:effectRef>
+      <a:fontRef idx="minor">
+        <a:schemeClr val="lt1"/>
+      </a:fontRef>
+    </dgm:style>
+  </dgm:styleLbl>
+  <dgm:styleLbl name="node1">
+    <dgm:scene3d>
+      <a:camera prst="orthographicFront"/>
+      <a:lightRig rig="threePt" dir="t"/>
+    </dgm:scene3d>
+    <dgm:sp3d/>
+    <dgm:txPr/>
+    <dgm:style>
+      <a:lnRef idx="0">
+        <a:scrgbClr r="0" g="0" b="0"/>
+      </a:lnRef>
+      <a:fillRef idx="3">
+        <a:scrgbClr r="0" g="0" b="0"/>
+      </a:fillRef>
+      <a:effectRef idx="3">
+        <a:scrgbClr r="0" g="0" b="0"/>
+      </a:effectRef>
+      <a:fontRef idx="minor">
+        <a:schemeClr val="lt1"/>
+      </a:fontRef>
+    </dgm:style>
+  </dgm:styleLbl>
+  <dgm:styleLbl name="node2">
+    <dgm:scene3d>
+      <a:camera prst="orthographicFront"/>
+      <a:lightRig rig="threePt" dir="t"/>
+    </dgm:scene3d>
+    <dgm:sp3d/>
+    <dgm:txPr/>
+    <dgm:style>
+      <a:lnRef idx="0">
+        <a:scrgbClr r="0" g="0" b="0"/>
+      </a:lnRef>
+      <a:fillRef idx="3">
+        <a:scrgbClr r="0" g="0" b="0"/>
+      </a:fillRef>
+      <a:effectRef idx="3">
+        <a:scrgbClr r="0" g="0" b="0"/>
+      </a:effectRef>
+      <a:fontRef idx="minor">
+        <a:schemeClr val="lt1"/>
+      </a:fontRef>
+    </dgm:style>
+  </dgm:styleLbl>
+  <dgm:styleLbl name="node3">
+    <dgm:scene3d>
+      <a:camera prst="orthographicFront"/>
+      <a:lightRig rig="threePt" dir="t"/>
+    </dgm:scene3d>
+    <dgm:sp3d/>
+    <dgm:txPr/>
+    <dgm:style>
+      <a:lnRef idx="0">
+        <a:scrgbClr r="0" g="0" b="0"/>
+      </a:lnRef>
+      <a:fillRef idx="3">
+        <a:scrgbClr r="0" g="0" b="0"/>
+      </a:fillRef>
+      <a:effectRef idx="3">
+        <a:scrgbClr r="0" g="0" b="0"/>
+      </a:effectRef>
+      <a:fontRef idx="minor">
+        <a:schemeClr val="lt1"/>
+      </a:fontRef>
+    </dgm:style>
+  </dgm:styleLbl>
+  <dgm:styleLbl name="node4">
+    <dgm:scene3d>
+      <a:camera prst="orthographicFront"/>
+      <a:lightRig rig="threePt" dir="t"/>
+    </dgm:scene3d>
+    <dgm:sp3d/>
+    <dgm:txPr/>
+    <dgm:style>
+      <a:lnRef idx="0">
+        <a:scrgbClr r="0" g="0" b="0"/>
+      </a:lnRef>
+      <a:fillRef idx="3">
+        <a:scrgbClr r="0" g="0" b="0"/>
+      </a:fillRef>
+      <a:effectRef idx="3">
+        <a:scrgbClr r="0" g="0" b="0"/>
+      </a:effectRef>
+      <a:fontRef idx="minor">
+        <a:schemeClr val="lt1"/>
+      </a:fontRef>
+    </dgm:style>
+  </dgm:styleLbl>
+  <dgm:styleLbl name="fgImgPlace1">
+    <dgm:scene3d>
+      <a:camera prst="orthographicFront"/>
+      <a:lightRig rig="threePt" dir="t"/>
+    </dgm:scene3d>
+    <dgm:sp3d/>
+    <dgm:txPr/>
+    <dgm:style>
+      <a:lnRef idx="0">
+        <a:scrgbClr r="0" g="0" b="0"/>
+      </a:lnRef>
+      <a:fillRef idx="1">
+        <a:scrgbClr r="0" g="0" b="0"/>
+      </a:fillRef>
+      <a:effectRef idx="3">
+        <a:scrgbClr r="0" g="0" b="0"/>
+      </a:effectRef>
+      <a:fontRef idx="minor"/>
+    </dgm:style>
+  </dgm:styleLbl>
+  <dgm:styleLbl name="alignImgPlace1">
+    <dgm:scene3d>
+      <a:camera prst="orthographicFront"/>
+      <a:lightRig rig="threePt" dir="t"/>
+    </dgm:scene3d>
+    <dgm:sp3d/>
+    <dgm:txPr/>
+    <dgm:style>
+      <a:lnRef idx="0">
+        <a:scrgbClr r="0" g="0" b="0"/>
+      </a:lnRef>
+      <a:fillRef idx="1">
+        <a:scrgbClr r="0" g="0" b="0"/>
+      </a:fillRef>
+      <a:effectRef idx="3">
+        <a:scrgbClr r="0" g="0" b="0"/>
+      </a:effectRef>
+      <a:fontRef idx="minor"/>
+    </dgm:style>
+  </dgm:styleLbl>
+  <dgm:styleLbl name="bgImgPlace1">
+    <dgm:scene3d>
+      <a:camera prst="orthographicFront"/>
+      <a:lightRig rig="threePt" dir="t"/>
+    </dgm:scene3d>
+    <dgm:sp3d/>
+    <dgm:txPr/>
+    <dgm:style>
+      <a:lnRef idx="0">
+        <a:scrgbClr r="0" g="0" b="0"/>
+      </a:lnRef>
+      <a:fillRef idx="1">
+        <a:scrgbClr r="0" g="0" b="0"/>
+      </a:fillRef>
+      <a:effectRef idx="3">
+        <a:scrgbClr r="0" g="0" b="0"/>
+      </a:effectRef>
+      <a:fontRef idx="minor"/>
+    </dgm:style>
+  </dgm:styleLbl>
+  <dgm:styleLbl name="sibTrans2D1">
+    <dgm:scene3d>
+      <a:camera prst="orthographicFront"/>
+      <a:lightRig rig="threePt" dir="t"/>
+    </dgm:scene3d>
+    <dgm:sp3d/>
+    <dgm:txPr/>
+    <dgm:style>
+      <a:lnRef idx="0">
+        <a:scrgbClr r="0" g="0" b="0"/>
+      </a:lnRef>
+      <a:fillRef idx="3">
+        <a:scrgbClr r="0" g="0" b="0"/>
+      </a:fillRef>
+      <a:effectRef idx="3">
+        <a:scrgbClr r="0" g="0" b="0"/>
+      </a:effectRef>
+      <a:fontRef idx="minor">
+        <a:schemeClr val="lt1"/>
+      </a:fontRef>
+    </dgm:style>
+  </dgm:styleLbl>
+  <dgm:styleLbl name="fgSibTrans2D1">
+    <dgm:scene3d>
+      <a:camera prst="orthographicFront"/>
+      <a:lightRig rig="threePt" dir="t"/>
+    </dgm:scene3d>
+    <dgm:sp3d/>
+    <dgm:txPr/>
+    <dgm:style>
+      <a:lnRef idx="0">
+        <a:scrgbClr r="0" g="0" b="0"/>
+      </a:lnRef>
+      <a:fillRef idx="3">
+        <a:scrgbClr r="0" g="0" b="0"/>
+      </a:fillRef>
+      <a:effectRef idx="3">
+        <a:scrgbClr r="0" g="0" b="0"/>
+      </a:effectRef>
+      <a:fontRef idx="minor">
+        <a:schemeClr val="lt1"/>
+      </a:fontRef>
+    </dgm:style>
+  </dgm:styleLbl>
+  <dgm:styleLbl name="bgSibTrans2D1">
+    <dgm:scene3d>
+      <a:camera prst="orthographicFront"/>
+      <a:lightRig rig="threePt" dir="t"/>
+    </dgm:scene3d>
+    <dgm:sp3d/>
+    <dgm:txPr/>
+    <dgm:style>
+      <a:lnRef idx="0">
+        <a:scrgbClr r="0" g="0" b="0"/>
+      </a:lnRef>
+      <a:fillRef idx="3">
+        <a:scrgbClr r="0" g="0" b="0"/>
+      </a:fillRef>
+      <a:effectRef idx="3">
+        <a:scrgbClr r="0" g="0" b="0"/>
+      </a:effectRef>
+      <a:fontRef idx="minor">
+        <a:schemeClr val="lt1"/>
+      </a:fontRef>
+    </dgm:style>
+  </dgm:styleLbl>
+  <dgm:styleLbl name="sibTrans1D1">
+    <dgm:scene3d>
+      <a:camera prst="orthographicFront"/>
+      <a:lightRig rig="threePt" dir="t"/>
+    </dgm:scene3d>
+    <dgm:sp3d/>
+    <dgm:txPr/>
+    <dgm:style>
+      <a:lnRef idx="1">
+        <a:scrgbClr r="0" g="0" b="0"/>
+      </a:lnRef>
+      <a:fillRef idx="0">
+        <a:scrgbClr r="0" g="0" b="0"/>
+      </a:fillRef>
+      <a:effectRef idx="0">
+        <a:scrgbClr r="0" g="0" b="0"/>
+      </a:effectRef>
+      <a:fontRef idx="minor"/>
+    </dgm:style>
+  </dgm:styleLbl>
+  <dgm:styleLbl name="callout">
+    <dgm:scene3d>
+      <a:camera prst="orthographicFront"/>
+      <a:lightRig rig="threePt" dir="t"/>
+    </dgm:scene3d>
+    <dgm:sp3d/>
+    <dgm:txPr/>
+    <dgm:style>
+      <a:lnRef idx="1">
+        <a:scrgbClr r="0" g="0" b="0"/>
+      </a:lnRef>
+      <a:fillRef idx="0">
+        <a:scrgbClr r="0" g="0" b="0"/>
+      </a:fillRef>
+      <a:effectRef idx="1">
+        <a:scrgbClr r="0" g="0" b="0"/>
+      </a:effectRef>
+      <a:fontRef idx="minor"/>
+    </dgm:style>
+  </dgm:styleLbl>
+  <dgm:styleLbl name="asst0">
+    <dgm:scene3d>
+      <a:camera prst="orthographicFront"/>
+      <a:lightRig rig="threePt" dir="t"/>
+    </dgm:scene3d>
+    <dgm:sp3d/>
+    <dgm:txPr/>
+    <dgm:style>
+      <a:lnRef idx="0">
+        <a:scrgbClr r="0" g="0" b="0"/>
+      </a:lnRef>
+      <a:fillRef idx="3">
+        <a:scrgbClr r="0" g="0" b="0"/>
+      </a:fillRef>
+      <a:effectRef idx="3">
+        <a:scrgbClr r="0" g="0" b="0"/>
+      </a:effectRef>
+      <a:fontRef idx="minor">
+        <a:schemeClr val="lt1"/>
+      </a:fontRef>
+    </dgm:style>
+  </dgm:styleLbl>
+  <dgm:styleLbl name="asst1">
+    <dgm:scene3d>
+      <a:camera prst="orthographicFront"/>
+      <a:lightRig rig="threePt" dir="t"/>
+    </dgm:scene3d>
+    <dgm:sp3d/>
+    <dgm:txPr/>
+    <dgm:style>
+      <a:lnRef idx="0">
+        <a:scrgbClr r="0" g="0" b="0"/>
+      </a:lnRef>
+      <a:fillRef idx="3">
+        <a:scrgbClr r="0" g="0" b="0"/>
+      </a:fillRef>
+      <a:effectRef idx="3">
+        <a:scrgbClr r="0" g="0" b="0"/>
+      </a:effectRef>
+      <a:fontRef idx="minor">
+        <a:schemeClr val="lt1"/>
+      </a:fontRef>
+    </dgm:style>
+  </dgm:styleLbl>
+  <dgm:styleLbl name="asst2">
+    <dgm:scene3d>
+      <a:camera prst="orthographicFront"/>
+      <a:lightRig rig="threePt" dir="t"/>
+    </dgm:scene3d>
+    <dgm:sp3d/>
+    <dgm:txPr/>
+    <dgm:style>
+      <a:lnRef idx="0">
+        <a:scrgbClr r="0" g="0" b="0"/>
+      </a:lnRef>
+      <a:fillRef idx="3">
+        <a:scrgbClr r="0" g="0" b="0"/>
+      </a:fillRef>
+      <a:effectRef idx="3">
+        <a:scrgbClr r="0" g="0" b="0"/>
+      </a:effectRef>
+      <a:fontRef idx="minor">
+        <a:schemeClr val="lt1"/>
+      </a:fontRef>
+    </dgm:style>
+  </dgm:styleLbl>
+  <dgm:styleLbl name="asst3">
+    <dgm:scene3d>
+      <a:camera prst="orthographicFront"/>
+      <a:lightRig rig="threePt" dir="t"/>
+    </dgm:scene3d>
+    <dgm:sp3d/>
+    <dgm:txPr/>
+    <dgm:style>
+      <a:lnRef idx="0">
+        <a:scrgbClr r="0" g="0" b="0"/>
+      </a:lnRef>
+      <a:fillRef idx="3">
+        <a:scrgbClr r="0" g="0" b="0"/>
+      </a:fillRef>
+      <a:effectRef idx="3">
+        <a:scrgbClr r="0" g="0" b="0"/>
+      </a:effectRef>
+      <a:fontRef idx="minor">
+        <a:schemeClr val="lt1"/>
+      </a:fontRef>
+    </dgm:style>
+  </dgm:styleLbl>
+  <dgm:styleLbl name="asst4">
+    <dgm:scene3d>
+      <a:camera prst="orthographicFront"/>
+      <a:lightRig rig="threePt" dir="t"/>
+    </dgm:scene3d>
+    <dgm:sp3d/>
+    <dgm:txPr/>
+    <dgm:style>
+      <a:lnRef idx="0">
+        <a:scrgbClr r="0" g="0" b="0"/>
+      </a:lnRef>
+      <a:fillRef idx="3">
+        <a:scrgbClr r="0" g="0" b="0"/>
+      </a:fillRef>
+      <a:effectRef idx="3">
+        <a:scrgbClr r="0" g="0" b="0"/>
+      </a:effectRef>
+      <a:fontRef idx="minor">
+        <a:schemeClr val="lt1"/>
+      </a:fontRef>
+    </dgm:style>
+  </dgm:styleLbl>
+  <dgm:styleLbl name="parChTrans2D1">
+    <dgm:scene3d>
+      <a:camera prst="orthographicFront"/>
+      <a:lightRig rig="threePt" dir="t"/>
+    </dgm:scene3d>
+    <dgm:sp3d/>
+    <dgm:txPr/>
+    <dgm:style>
+      <a:lnRef idx="0">
+        <a:scrgbClr r="0" g="0" b="0"/>
+      </a:lnRef>
+      <a:fillRef idx="3">
+        <a:scrgbClr r="0" g="0" b="0"/>
+      </a:fillRef>
+      <a:effectRef idx="3">
+        <a:scrgbClr r="0" g="0" b="0"/>
+      </a:effectRef>
+      <a:fontRef idx="minor">
+        <a:schemeClr val="lt1"/>
+      </a:fontRef>
+    </dgm:style>
+  </dgm:styleLbl>
+  <dgm:styleLbl name="parChTrans2D2">
+    <dgm:scene3d>
+      <a:camera prst="orthographicFront"/>
+      <a:lightRig rig="threePt" dir="t"/>
+    </dgm:scene3d>
+    <dgm:sp3d/>
+    <dgm:txPr/>
+    <dgm:style>
+      <a:lnRef idx="0">
+        <a:scrgbClr r="0" g="0" b="0"/>
+      </a:lnRef>
+      <a:fillRef idx="3">
+        <a:scrgbClr r="0" g="0" b="0"/>
+      </a:fillRef>
+      <a:effectRef idx="3">
+        <a:scrgbClr r="0" g="0" b="0"/>
+      </a:effectRef>
+      <a:fontRef idx="minor">
+        <a:schemeClr val="lt1"/>
+      </a:fontRef>
+    </dgm:style>
+  </dgm:styleLbl>
+  <dgm:styleLbl name="parChTrans2D3">
+    <dgm:scene3d>
+      <a:camera prst="orthographicFront"/>
+      <a:lightRig rig="threePt" dir="t"/>
+    </dgm:scene3d>
+    <dgm:sp3d/>
+    <dgm:txPr/>
+    <dgm:style>
+      <a:lnRef idx="0">
+        <a:scrgbClr r="0" g="0" b="0"/>
+      </a:lnRef>
+      <a:fillRef idx="3">
+        <a:scrgbClr r="0" g="0" b="0"/>
+      </a:fillRef>
+      <a:effectRef idx="3">
+        <a:scrgbClr r="0" g="0" b="0"/>
+      </a:effectRef>
+      <a:fontRef idx="minor">
+        <a:schemeClr val="lt1"/>
+      </a:fontRef>
+    </dgm:style>
+  </dgm:styleLbl>
+  <dgm:styleLbl name="parChTrans2D4">
+    <dgm:scene3d>
+      <a:camera prst="orthographicFront"/>
+      <a:lightRig rig="threePt" dir="t"/>
+    </dgm:scene3d>
+    <dgm:sp3d/>
+    <dgm:txPr/>
+    <dgm:style>
+      <a:lnRef idx="0">
+        <a:scrgbClr r="0" g="0" b="0"/>
+      </a:lnRef>
+      <a:fillRef idx="3">
+        <a:scrgbClr r="0" g="0" b="0"/>
+      </a:fillRef>
+      <a:effectRef idx="3">
+        <a:scrgbClr r="0" g="0" b="0"/>
+      </a:effectRef>
+      <a:fontRef idx="minor">
+        <a:schemeClr val="lt1"/>
+      </a:fontRef>
+    </dgm:style>
+  </dgm:styleLbl>
+  <dgm:styleLbl name="parChTrans1D1">
+    <dgm:scene3d>
+      <a:camera prst="orthographicFront"/>
+      <a:lightRig rig="threePt" dir="t"/>
+    </dgm:scene3d>
+    <dgm:sp3d/>
+    <dgm:txPr/>
+    <dgm:style>
+      <a:lnRef idx="2">
+        <a:scrgbClr r="0" g="0" b="0"/>
+      </a:lnRef>
+      <a:fillRef idx="0">
+        <a:scrgbClr r="0" g="0" b="0"/>
+      </a:fillRef>
+      <a:effectRef idx="0">
+        <a:scrgbClr r="0" g="0" b="0"/>
+      </a:effectRef>
+      <a:fontRef idx="minor"/>
+    </dgm:style>
+  </dgm:styleLbl>
+  <dgm:styleLbl name="parChTrans1D2">
+    <dgm:scene3d>
+      <a:camera prst="orthographicFront"/>
+      <a:lightRig rig="threePt" dir="t"/>
+    </dgm:scene3d>
+    <dgm:sp3d/>
+    <dgm:txPr/>
+    <dgm:style>
+      <a:lnRef idx="2">
+        <a:scrgbClr r="0" g="0" b="0"/>
+      </a:lnRef>
+      <a:fillRef idx="0">
+        <a:scrgbClr r="0" g="0" b="0"/>
+      </a:fillRef>
+      <a:effectRef idx="0">
+        <a:scrgbClr r="0" g="0" b="0"/>
+      </a:effectRef>
+      <a:fontRef idx="minor"/>
+    </dgm:style>
+  </dgm:styleLbl>
+  <dgm:styleLbl name="parChTrans1D3">
+    <dgm:scene3d>
+      <a:camera prst="orthographicFront"/>
+      <a:lightRig rig="threePt" dir="t"/>
+    </dgm:scene3d>
+    <dgm:sp3d/>
+    <dgm:txPr/>
+    <dgm:style>
+      <a:lnRef idx="2">
+        <a:scrgbClr r="0" g="0" b="0"/>
+      </a:lnRef>
+      <a:fillRef idx="0">
+        <a:scrgbClr r="0" g="0" b="0"/>
+      </a:fillRef>
+      <a:effectRef idx="0">
+        <a:scrgbClr r="0" g="0" b="0"/>
+      </a:effectRef>
+      <a:fontRef idx="minor"/>
+    </dgm:style>
+  </dgm:styleLbl>
+  <dgm:styleLbl name="parChTrans1D4">
+    <dgm:scene3d>
+      <a:camera prst="orthographicFront"/>
+      <a:lightRig rig="threePt" dir="t"/>
+    </dgm:scene3d>
+    <dgm:sp3d/>
+    <dgm:txPr/>
+    <dgm:style>
+      <a:lnRef idx="2">
+        <a:scrgbClr r="0" g="0" b="0"/>
+      </a:lnRef>
+      <a:fillRef idx="0">
+        <a:scrgbClr r="0" g="0" b="0"/>
+      </a:fillRef>
+      <a:effectRef idx="0">
+        <a:scrgbClr r="0" g="0" b="0"/>
+      </a:effectRef>
+      <a:fontRef idx="minor"/>
+    </dgm:style>
+  </dgm:styleLbl>
+  <dgm:styleLbl name="fgAcc1">
+    <dgm:scene3d>
+      <a:camera prst="orthographicFront"/>
+      <a:lightRig rig="threePt" dir="t"/>
+    </dgm:scene3d>
+    <dgm:sp3d/>
+    <dgm:txPr/>
+    <dgm:style>
+      <a:lnRef idx="1">
+        <a:scrgbClr r="0" g="0" b="0"/>
+      </a:lnRef>
+      <a:fillRef idx="1">
+        <a:scrgbClr r="0" g="0" b="0"/>
+      </a:fillRef>
+      <a:effectRef idx="2">
+        <a:scrgbClr r="0" g="0" b="0"/>
+      </a:effectRef>
+      <a:fontRef idx="minor"/>
+    </dgm:style>
+  </dgm:styleLbl>
+  <dgm:styleLbl name="conFgAcc1">
+    <dgm:scene3d>
+      <a:camera prst="orthographicFront"/>
+      <a:lightRig rig="threePt" dir="t"/>
+    </dgm:scene3d>
+    <dgm:sp3d/>
+    <dgm:txPr/>
+    <dgm:style>
+      <a:lnRef idx="1">
+        <a:scrgbClr r="0" g="0" b="0"/>
+      </a:lnRef>
+      <a:fillRef idx="1">
+        <a:scrgbClr r="0" g="0" b="0"/>
+      </a:fillRef>
+      <a:effectRef idx="2">
+        <a:scrgbClr r="0" g="0" b="0"/>
+      </a:effectRef>
+      <a:fontRef idx="minor"/>
+    </dgm:style>
+  </dgm:styleLbl>
+  <dgm:styleLbl name="alignAcc1">
+    <dgm:scene3d>
+      <a:camera prst="orthographicFront"/>
+      <a:lightRig rig="threePt" dir="t"/>
+    </dgm:scene3d>
+    <dgm:sp3d/>
+    <dgm:txPr/>
+    <dgm:style>
+      <a:lnRef idx="1">
+        <a:scrgbClr r="0" g="0" b="0"/>
+      </a:lnRef>
+      <a:fillRef idx="1">
+        <a:scrgbClr r="0" g="0" b="0"/>
+      </a:fillRef>
+      <a:effectRef idx="2">
+        <a:scrgbClr r="0" g="0" b="0"/>
+      </a:effectRef>
+      <a:fontRef idx="minor"/>
+    </dgm:style>
+  </dgm:styleLbl>
+  <dgm:styleLbl name="trAlignAcc1">
+    <dgm:scene3d>
+      <a:camera prst="orthographicFront"/>
+      <a:lightRig rig="threePt" dir="t"/>
+    </dgm:scene3d>
+    <dgm:sp3d/>
+    <dgm:txPr/>
+    <dgm:style>
+      <a:lnRef idx="1">
+        <a:scrgbClr r="0" g="0" b="0"/>
+      </a:lnRef>
+      <a:fillRef idx="1">
+        <a:scrgbClr r="0" g="0" b="0"/>
+      </a:fillRef>
+      <a:effectRef idx="0">
+        <a:scrgbClr r="0" g="0" b="0"/>
+      </a:effectRef>
+      <a:fontRef idx="minor"/>
+    </dgm:style>
+  </dgm:styleLbl>
+  <dgm:styleLbl name="bgAcc1">
+    <dgm:scene3d>
+      <a:camera prst="orthographicFront"/>
+      <a:lightRig rig="threePt" dir="t"/>
+    </dgm:scene3d>
+    <dgm:sp3d/>
+    <dgm:txPr/>
+    <dgm:style>
+      <a:lnRef idx="1">
+        <a:scrgbClr r="0" g="0" b="0"/>
+      </a:lnRef>
+      <a:fillRef idx="1">
+        <a:scrgbClr r="0" g="0" b="0"/>
+      </a:fillRef>
+      <a:effectRef idx="2">
+        <a:scrgbClr r="0" g="0" b="0"/>
+      </a:effectRef>
+      <a:fontRef idx="minor"/>
+    </dgm:style>
+  </dgm:styleLbl>
+  <dgm:styleLbl name="solidFgAcc1">
+    <dgm:scene3d>
+      <a:camera prst="orthographicFront"/>
+      <a:lightRig rig="threePt" dir="t"/>
+    </dgm:scene3d>
+    <dgm:sp3d/>
+    <dgm:txPr/>
+    <dgm:style>
+      <a:lnRef idx="1">
+        <a:scrgbClr r="0" g="0" b="0"/>
+      </a:lnRef>
+      <a:fillRef idx="1">
+        <a:scrgbClr r="0" g="0" b="0"/>
+      </a:fillRef>
+      <a:effectRef idx="2">
+        <a:scrgbClr r="0" g="0" b="0"/>
+      </a:effectRef>
+      <a:fontRef idx="minor"/>
+    </dgm:style>
+  </dgm:styleLbl>
+  <dgm:styleLbl name="solidAlignAcc1">
+    <dgm:scene3d>
+      <a:camera prst="orthographicFront"/>
+      <a:lightRig rig="threePt" dir="t"/>
+    </dgm:scene3d>
+    <dgm:sp3d/>
+    <dgm:txPr/>
+    <dgm:style>
+      <a:lnRef idx="1">
+        <a:scrgbClr r="0" g="0" b="0"/>
+      </a:lnRef>
+      <a:fillRef idx="1">
+        <a:scrgbClr r="0" g="0" b="0"/>
+      </a:fillRef>
+      <a:effectRef idx="3">
+        <a:scrgbClr r="0" g="0" b="0"/>
+      </a:effectRef>
+      <a:fontRef idx="minor"/>
+    </dgm:style>
+  </dgm:styleLbl>
+  <dgm:styleLbl name="solidBgAcc1">
+    <dgm:scene3d>
+      <a:camera prst="orthographicFront"/>
+      <a:lightRig rig="threePt" dir="t"/>
+    </dgm:scene3d>
+    <dgm:sp3d/>
+    <dgm:txPr/>
+    <dgm:style>
+      <a:lnRef idx="1">
+        <a:scrgbClr r="0" g="0" b="0"/>
+      </a:lnRef>
+      <a:fillRef idx="1">
+        <a:scrgbClr r="0" g="0" b="0"/>
+      </a:fillRef>
+      <a:effectRef idx="3">
+        <a:scrgbClr r="0" g="0" b="0"/>
+      </a:effectRef>
+      <a:fontRef idx="minor"/>
+    </dgm:style>
+  </dgm:styleLbl>
+  <dgm:styleLbl name="fgAccFollowNode1">
+    <dgm:scene3d>
+      <a:camera prst="orthographicFront"/>
+      <a:lightRig rig="threePt" dir="t"/>
+    </dgm:scene3d>
+    <dgm:sp3d/>
+    <dgm:txPr/>
+    <dgm:style>
+      <a:lnRef idx="1">
+        <a:scrgbClr r="0" g="0" b="0"/>
+      </a:lnRef>
+      <a:fillRef idx="1">
+        <a:scrgbClr r="0" g="0" b="0"/>
+      </a:fillRef>
+      <a:effectRef idx="2">
+        <a:scrgbClr r="0" g="0" b="0"/>
+      </a:effectRef>
+      <a:fontRef idx="minor"/>
+    </dgm:style>
+  </dgm:styleLbl>
+  <dgm:styleLbl name="alignAccFollowNode1">
+    <dgm:scene3d>
+      <a:camera prst="orthographicFront"/>
+      <a:lightRig rig="threePt" dir="t"/>
+    </dgm:scene3d>
+    <dgm:sp3d/>
+    <dgm:txPr/>
+    <dgm:style>
+      <a:lnRef idx="1">
+        <a:scrgbClr r="0" g="0" b="0"/>
+      </a:lnRef>
+      <a:fillRef idx="1">
+        <a:scrgbClr r="0" g="0" b="0"/>
+      </a:fillRef>
+      <a:effectRef idx="2">
+        <a:scrgbClr r="0" g="0" b="0"/>
+      </a:effectRef>
+      <a:fontRef idx="minor"/>
+    </dgm:style>
+  </dgm:styleLbl>
+  <dgm:styleLbl name="bgAccFollowNode1">
+    <dgm:scene3d>
+      <a:camera prst="orthographicFront"/>
+      <a:lightRig rig="threePt" dir="t"/>
+    </dgm:scene3d>
+    <dgm:sp3d/>
+    <dgm:txPr/>
+    <dgm:style>
+      <a:lnRef idx="1">
+        <a:scrgbClr r="0" g="0" b="0"/>
+      </a:lnRef>
+      <a:fillRef idx="1">
+        <a:scrgbClr r="0" g="0" b="0"/>
+      </a:fillRef>
+      <a:effectRef idx="2">
+        <a:scrgbClr r="0" g="0" b="0"/>
+      </a:effectRef>
+      <a:fontRef idx="minor"/>
+    </dgm:style>
+  </dgm:styleLbl>
+  <dgm:styleLbl name="fgAcc0">
+    <dgm:scene3d>
+      <a:camera prst="orthographicFront"/>
+      <a:lightRig rig="threePt" dir="t"/>
+    </dgm:scene3d>
+    <dgm:sp3d/>
+    <dgm:txPr/>
+    <dgm:style>
+      <a:lnRef idx="1">
+        <a:scrgbClr r="0" g="0" b="0"/>
+      </a:lnRef>
+      <a:fillRef idx="1">
+        <a:scrgbClr r="0" g="0" b="0"/>
+      </a:fillRef>
+      <a:effectRef idx="2">
+        <a:scrgbClr r="0" g="0" b="0"/>
+      </a:effectRef>
+      <a:fontRef idx="minor"/>
+    </dgm:style>
+  </dgm:styleLbl>
+  <dgm:styleLbl name="fgAcc2">
+    <dgm:scene3d>
+      <a:camera prst="orthographicFront"/>
+      <a:lightRig rig="threePt" dir="t"/>
+    </dgm:scene3d>
+    <dgm:sp3d/>
+    <dgm:txPr/>
+    <dgm:style>
+      <a:lnRef idx="1">
+        <a:scrgbClr r="0" g="0" b="0"/>
+      </a:lnRef>
+      <a:fillRef idx="1">
+        <a:scrgbClr r="0" g="0" b="0"/>
+      </a:fillRef>
+      <a:effectRef idx="2">
+        <a:scrgbClr r="0" g="0" b="0"/>
+      </a:effectRef>
+      <a:fontRef idx="minor"/>
+    </dgm:style>
+  </dgm:styleLbl>
+  <dgm:styleLbl name="fgAcc3">
+    <dgm:scene3d>
+      <a:camera prst="orthographicFront"/>
+      <a:lightRig rig="threePt" dir="t"/>
+    </dgm:scene3d>
+    <dgm:sp3d/>
+    <dgm:txPr/>
+    <dgm:style>
+      <a:lnRef idx="1">
+        <a:scrgbClr r="0" g="0" b="0"/>
+      </a:lnRef>
+      <a:fillRef idx="1">
+        <a:scrgbClr r="0" g="0" b="0"/>
+      </a:fillRef>
+      <a:effectRef idx="2">
+        <a:scrgbClr r="0" g="0" b="0"/>
+      </a:effectRef>
+      <a:fontRef idx="minor"/>
+    </dgm:style>
+  </dgm:styleLbl>
+  <dgm:styleLbl name="fgAcc4">
+    <dgm:scene3d>
+      <a:camera prst="orthographicFront"/>
+      <a:lightRig rig="threePt" dir="t"/>
+    </dgm:scene3d>
+    <dgm:sp3d/>
+    <dgm:txPr/>
+    <dgm:style>
+      <a:lnRef idx="1">
+        <a:scrgbClr r="0" g="0" b="0"/>
+      </a:lnRef>
+      <a:fillRef idx="1">
+        <a:scrgbClr r="0" g="0" b="0"/>
+      </a:fillRef>
+      <a:effectRef idx="2">
+        <a:scrgbClr r="0" g="0" b="0"/>
+      </a:effectRef>
+      <a:fontRef idx="minor"/>
+    </dgm:style>
+  </dgm:styleLbl>
+  <dgm:styleLbl name="bgShp">
+    <dgm:scene3d>
+      <a:camera prst="orthographicFront"/>
+      <a:lightRig rig="threePt" dir="t"/>
+    </dgm:scene3d>
+    <dgm:sp3d/>
+    <dgm:txPr/>
+    <dgm:style>
+      <a:lnRef idx="0">
+        <a:scrgbClr r="0" g="0" b="0"/>
+      </a:lnRef>
+      <a:fillRef idx="1">
+        <a:scrgbClr r="0" g="0" b="0"/>
+      </a:fillRef>
+      <a:effectRef idx="2">
+        <a:scrgbClr r="0" g="0" b="0"/>
+      </a:effectRef>
+      <a:fontRef idx="minor"/>
+    </dgm:style>
+  </dgm:styleLbl>
+  <dgm:styleLbl name="dkBgShp">
+    <dgm:scene3d>
+      <a:camera prst="orthographicFront"/>
+      <a:lightRig rig="threePt" dir="t"/>
+    </dgm:scene3d>
+    <dgm:sp3d/>
+    <dgm:txPr/>
+    <dgm:style>
+      <a:lnRef idx="0">
+        <a:scrgbClr r="0" g="0" b="0"/>
+      </a:lnRef>
+      <a:fillRef idx="1">
+        <a:scrgbClr r="0" g="0" b="0"/>
+      </a:fillRef>
+      <a:effectRef idx="3">
+        <a:scrgbClr r="0" g="0" b="0"/>
+      </a:effectRef>
+      <a:fontRef idx="minor"/>
+    </dgm:style>
+  </dgm:styleLbl>
+  <dgm:styleLbl name="trBgShp">
+    <dgm:scene3d>
+      <a:camera prst="orthographicFront"/>
+      <a:lightRig rig="threePt" dir="t"/>
+    </dgm:scene3d>
+    <dgm:sp3d/>
+    <dgm:txPr/>
+    <dgm:style>
+      <a:lnRef idx="0">
+        <a:scrgbClr r="0" g="0" b="0"/>
+      </a:lnRef>
+      <a:fillRef idx="1">
+        <a:scrgbClr r="0" g="0" b="0"/>
+      </a:fillRef>
+      <a:effectRef idx="0">
+        <a:scrgbClr r="0" g="0" b="0"/>
+      </a:effectRef>
+      <a:fontRef idx="minor"/>
+    </dgm:style>
+  </dgm:styleLbl>
+  <dgm:styleLbl name="fgShp">
+    <dgm:scene3d>
+      <a:camera prst="orthographicFront"/>
+      <a:lightRig rig="threePt" dir="t"/>
+    </dgm:scene3d>
+    <dgm:sp3d/>
+    <dgm:txPr/>
+    <dgm:style>
+      <a:lnRef idx="0">
+        <a:scrgbClr r="0" g="0" b="0"/>
+      </a:lnRef>
+      <a:fillRef idx="3">
+        <a:scrgbClr r="0" g="0" b="0"/>
+      </a:fillRef>
+      <a:effectRef idx="3">
         <a:scrgbClr r="0" g="0" b="0"/>
       </a:effectRef>
       <a:fontRef idx="minor"/>
@@ -4500,7 +7413,7 @@
           <a:p>
             <a:fld id="{C15D21F5-D0C0-456E-AEAC-32A62EF14BE2}" type="datetimeFigureOut">
               <a:rPr lang="en-GB" smtClean="0"/>
-              <a:t>01/02/2026</a:t>
+              <a:t>02/02/2026</a:t>
             </a:fld>
             <a:endParaRPr lang="en-GB"/>
           </a:p>
@@ -4700,7 +7613,7 @@
           <a:p>
             <a:fld id="{C15D21F5-D0C0-456E-AEAC-32A62EF14BE2}" type="datetimeFigureOut">
               <a:rPr lang="en-GB" smtClean="0"/>
-              <a:t>01/02/2026</a:t>
+              <a:t>02/02/2026</a:t>
             </a:fld>
             <a:endParaRPr lang="en-GB"/>
           </a:p>
@@ -4910,7 +7823,7 @@
           <a:p>
             <a:fld id="{C15D21F5-D0C0-456E-AEAC-32A62EF14BE2}" type="datetimeFigureOut">
               <a:rPr lang="en-GB" smtClean="0"/>
-              <a:t>01/02/2026</a:t>
+              <a:t>02/02/2026</a:t>
             </a:fld>
             <a:endParaRPr lang="en-GB"/>
           </a:p>
@@ -5110,7 +8023,7 @@
           <a:p>
             <a:fld id="{C15D21F5-D0C0-456E-AEAC-32A62EF14BE2}" type="datetimeFigureOut">
               <a:rPr lang="en-GB" smtClean="0"/>
-              <a:t>01/02/2026</a:t>
+              <a:t>02/02/2026</a:t>
             </a:fld>
             <a:endParaRPr lang="en-GB"/>
           </a:p>
@@ -5386,7 +8299,7 @@
           <a:p>
             <a:fld id="{C15D21F5-D0C0-456E-AEAC-32A62EF14BE2}" type="datetimeFigureOut">
               <a:rPr lang="en-GB" smtClean="0"/>
-              <a:t>01/02/2026</a:t>
+              <a:t>02/02/2026</a:t>
             </a:fld>
             <a:endParaRPr lang="en-GB"/>
           </a:p>
@@ -5654,7 +8567,7 @@
           <a:p>
             <a:fld id="{C15D21F5-D0C0-456E-AEAC-32A62EF14BE2}" type="datetimeFigureOut">
               <a:rPr lang="en-GB" smtClean="0"/>
-              <a:t>01/02/2026</a:t>
+              <a:t>02/02/2026</a:t>
             </a:fld>
             <a:endParaRPr lang="en-GB"/>
           </a:p>
@@ -6069,7 +8982,7 @@
           <a:p>
             <a:fld id="{C15D21F5-D0C0-456E-AEAC-32A62EF14BE2}" type="datetimeFigureOut">
               <a:rPr lang="en-GB" smtClean="0"/>
-              <a:t>01/02/2026</a:t>
+              <a:t>02/02/2026</a:t>
             </a:fld>
             <a:endParaRPr lang="en-GB"/>
           </a:p>
@@ -6211,7 +9124,7 @@
           <a:p>
             <a:fld id="{C15D21F5-D0C0-456E-AEAC-32A62EF14BE2}" type="datetimeFigureOut">
               <a:rPr lang="en-GB" smtClean="0"/>
-              <a:t>01/02/2026</a:t>
+              <a:t>02/02/2026</a:t>
             </a:fld>
             <a:endParaRPr lang="en-GB"/>
           </a:p>
@@ -6324,7 +9237,7 @@
           <a:p>
             <a:fld id="{C15D21F5-D0C0-456E-AEAC-32A62EF14BE2}" type="datetimeFigureOut">
               <a:rPr lang="en-GB" smtClean="0"/>
-              <a:t>01/02/2026</a:t>
+              <a:t>02/02/2026</a:t>
             </a:fld>
             <a:endParaRPr lang="en-GB"/>
           </a:p>
@@ -6637,7 +9550,7 @@
           <a:p>
             <a:fld id="{C15D21F5-D0C0-456E-AEAC-32A62EF14BE2}" type="datetimeFigureOut">
               <a:rPr lang="en-GB" smtClean="0"/>
-              <a:t>01/02/2026</a:t>
+              <a:t>02/02/2026</a:t>
             </a:fld>
             <a:endParaRPr lang="en-GB"/>
           </a:p>
@@ -6926,7 +9839,7 @@
           <a:p>
             <a:fld id="{C15D21F5-D0C0-456E-AEAC-32A62EF14BE2}" type="datetimeFigureOut">
               <a:rPr lang="en-GB" smtClean="0"/>
-              <a:t>01/02/2026</a:t>
+              <a:t>02/02/2026</a:t>
             </a:fld>
             <a:endParaRPr lang="en-GB"/>
           </a:p>
@@ -7169,7 +10082,7 @@
           <a:p>
             <a:fld id="{C15D21F5-D0C0-456E-AEAC-32A62EF14BE2}" type="datetimeFigureOut">
               <a:rPr lang="en-GB" smtClean="0"/>
-              <a:t>01/02/2026</a:t>
+              <a:t>02/02/2026</a:t>
             </a:fld>
             <a:endParaRPr lang="en-GB"/>
           </a:p>
@@ -7588,226 +10501,6 @@
       </p:grpSpPr>
       <p:sp>
         <p:nvSpPr>
-          <p:cNvPr id="54" name="Rectangle: Rounded Corners 53">
-            <a:extLst>
-              <a:ext uri="{FF2B5EF4-FFF2-40B4-BE49-F238E27FC236}">
-                <a16:creationId xmlns:a16="http://schemas.microsoft.com/office/drawing/2014/main" id="{3EE30840-080F-8FBF-355B-774F84D831F0}"/>
-              </a:ext>
-            </a:extLst>
-          </p:cNvPr>
-          <p:cNvSpPr/>
-          <p:nvPr/>
-        </p:nvSpPr>
-        <p:spPr>
-          <a:xfrm>
-            <a:off x="8176766" y="904947"/>
-            <a:ext cx="3901324" cy="464448"/>
-          </a:xfrm>
-          <a:prstGeom prst="roundRect">
-            <a:avLst/>
-          </a:prstGeom>
-          <a:solidFill>
-            <a:schemeClr val="tx2">
-              <a:lumMod val="10000"/>
-              <a:lumOff val="90000"/>
-            </a:schemeClr>
-          </a:solidFill>
-          <a:ln>
-            <a:noFill/>
-          </a:ln>
-        </p:spPr>
-        <p:style>
-          <a:lnRef idx="2">
-            <a:schemeClr val="accent1">
-              <a:shade val="15000"/>
-            </a:schemeClr>
-          </a:lnRef>
-          <a:fillRef idx="1">
-            <a:schemeClr val="accent1"/>
-          </a:fillRef>
-          <a:effectRef idx="0">
-            <a:schemeClr val="accent1"/>
-          </a:effectRef>
-          <a:fontRef idx="minor">
-            <a:schemeClr val="lt1"/>
-          </a:fontRef>
-        </p:style>
-        <p:txBody>
-          <a:bodyPr rtlCol="0" anchor="ctr"/>
-          <a:lstStyle/>
-          <a:p>
-            <a:pPr algn="ctr"/>
-            <a:endParaRPr lang="en-GB"/>
-          </a:p>
-        </p:txBody>
-      </p:sp>
-      <p:sp>
-        <p:nvSpPr>
-          <p:cNvPr id="55" name="Rectangle: Rounded Corners 54">
-            <a:extLst>
-              <a:ext uri="{FF2B5EF4-FFF2-40B4-BE49-F238E27FC236}">
-                <a16:creationId xmlns:a16="http://schemas.microsoft.com/office/drawing/2014/main" id="{26EB9174-C92D-6A62-37F4-2D03733C3858}"/>
-              </a:ext>
-            </a:extLst>
-          </p:cNvPr>
-          <p:cNvSpPr/>
-          <p:nvPr/>
-        </p:nvSpPr>
-        <p:spPr>
-          <a:xfrm>
-            <a:off x="8176766" y="1424568"/>
-            <a:ext cx="3901324" cy="464448"/>
-          </a:xfrm>
-          <a:prstGeom prst="roundRect">
-            <a:avLst/>
-          </a:prstGeom>
-          <a:solidFill>
-            <a:schemeClr val="tx2">
-              <a:lumMod val="10000"/>
-              <a:lumOff val="90000"/>
-            </a:schemeClr>
-          </a:solidFill>
-          <a:ln>
-            <a:noFill/>
-          </a:ln>
-        </p:spPr>
-        <p:style>
-          <a:lnRef idx="2">
-            <a:schemeClr val="accent1">
-              <a:shade val="15000"/>
-            </a:schemeClr>
-          </a:lnRef>
-          <a:fillRef idx="1">
-            <a:schemeClr val="accent1"/>
-          </a:fillRef>
-          <a:effectRef idx="0">
-            <a:schemeClr val="accent1"/>
-          </a:effectRef>
-          <a:fontRef idx="minor">
-            <a:schemeClr val="lt1"/>
-          </a:fontRef>
-        </p:style>
-        <p:txBody>
-          <a:bodyPr rtlCol="0" anchor="ctr"/>
-          <a:lstStyle/>
-          <a:p>
-            <a:pPr algn="ctr"/>
-            <a:endParaRPr lang="en-GB"/>
-          </a:p>
-        </p:txBody>
-      </p:sp>
-      <p:sp>
-        <p:nvSpPr>
-          <p:cNvPr id="56" name="Rectangle: Rounded Corners 55">
-            <a:extLst>
-              <a:ext uri="{FF2B5EF4-FFF2-40B4-BE49-F238E27FC236}">
-                <a16:creationId xmlns:a16="http://schemas.microsoft.com/office/drawing/2014/main" id="{51E5171C-BBBF-886D-4A98-6BACEC7E39A6}"/>
-              </a:ext>
-            </a:extLst>
-          </p:cNvPr>
-          <p:cNvSpPr/>
-          <p:nvPr/>
-        </p:nvSpPr>
-        <p:spPr>
-          <a:xfrm>
-            <a:off x="8176766" y="1944189"/>
-            <a:ext cx="3901324" cy="464448"/>
-          </a:xfrm>
-          <a:prstGeom prst="roundRect">
-            <a:avLst/>
-          </a:prstGeom>
-          <a:solidFill>
-            <a:schemeClr val="tx2">
-              <a:lumMod val="10000"/>
-              <a:lumOff val="90000"/>
-            </a:schemeClr>
-          </a:solidFill>
-          <a:ln>
-            <a:noFill/>
-          </a:ln>
-        </p:spPr>
-        <p:style>
-          <a:lnRef idx="2">
-            <a:schemeClr val="accent1">
-              <a:shade val="15000"/>
-            </a:schemeClr>
-          </a:lnRef>
-          <a:fillRef idx="1">
-            <a:schemeClr val="accent1"/>
-          </a:fillRef>
-          <a:effectRef idx="0">
-            <a:schemeClr val="accent1"/>
-          </a:effectRef>
-          <a:fontRef idx="minor">
-            <a:schemeClr val="lt1"/>
-          </a:fontRef>
-        </p:style>
-        <p:txBody>
-          <a:bodyPr rtlCol="0" anchor="ctr"/>
-          <a:lstStyle/>
-          <a:p>
-            <a:pPr algn="ctr"/>
-            <a:endParaRPr lang="en-GB"/>
-          </a:p>
-        </p:txBody>
-      </p:sp>
-      <p:sp>
-        <p:nvSpPr>
-          <p:cNvPr id="57" name="Rectangle: Rounded Corners 56">
-            <a:extLst>
-              <a:ext uri="{FF2B5EF4-FFF2-40B4-BE49-F238E27FC236}">
-                <a16:creationId xmlns:a16="http://schemas.microsoft.com/office/drawing/2014/main" id="{7A6401EE-BE40-EDCF-E02A-A3DAEF382676}"/>
-              </a:ext>
-            </a:extLst>
-          </p:cNvPr>
-          <p:cNvSpPr/>
-          <p:nvPr/>
-        </p:nvSpPr>
-        <p:spPr>
-          <a:xfrm>
-            <a:off x="8176766" y="2463809"/>
-            <a:ext cx="3901324" cy="464448"/>
-          </a:xfrm>
-          <a:prstGeom prst="roundRect">
-            <a:avLst/>
-          </a:prstGeom>
-          <a:solidFill>
-            <a:schemeClr val="tx2">
-              <a:lumMod val="10000"/>
-              <a:lumOff val="90000"/>
-            </a:schemeClr>
-          </a:solidFill>
-          <a:ln>
-            <a:noFill/>
-          </a:ln>
-        </p:spPr>
-        <p:style>
-          <a:lnRef idx="2">
-            <a:schemeClr val="accent1">
-              <a:shade val="15000"/>
-            </a:schemeClr>
-          </a:lnRef>
-          <a:fillRef idx="1">
-            <a:schemeClr val="accent1"/>
-          </a:fillRef>
-          <a:effectRef idx="0">
-            <a:schemeClr val="accent1"/>
-          </a:effectRef>
-          <a:fontRef idx="minor">
-            <a:schemeClr val="lt1"/>
-          </a:fontRef>
-        </p:style>
-        <p:txBody>
-          <a:bodyPr rtlCol="0" anchor="ctr"/>
-          <a:lstStyle/>
-          <a:p>
-            <a:pPr algn="ctr"/>
-            <a:endParaRPr lang="en-GB"/>
-          </a:p>
-        </p:txBody>
-      </p:sp>
-      <p:sp>
-        <p:nvSpPr>
           <p:cNvPr id="2" name="TextBox 1">
             <a:extLst>
               <a:ext uri="{FF2B5EF4-FFF2-40B4-BE49-F238E27FC236}">
@@ -8202,7 +10895,7 @@
         <p:spPr>
           <a:xfrm>
             <a:off x="0" y="1758890"/>
-            <a:ext cx="5253521" cy="830997"/>
+            <a:ext cx="5253520" cy="830997"/>
           </a:xfrm>
           <a:prstGeom prst="rect">
             <a:avLst/>
@@ -8282,8 +10975,8 @@
         </p:nvSpPr>
         <p:spPr>
           <a:xfrm>
-            <a:off x="2481157" y="2681928"/>
-            <a:ext cx="2772364" cy="1200329"/>
+            <a:off x="-1" y="2621950"/>
+            <a:ext cx="5253521" cy="830997"/>
           </a:xfrm>
           <a:prstGeom prst="rect">
             <a:avLst/>
@@ -8360,8 +11053,8 @@
         </p:nvSpPr>
         <p:spPr>
           <a:xfrm>
-            <a:off x="0" y="4886654"/>
-            <a:ext cx="5334000" cy="1815882"/>
+            <a:off x="5552300" y="5205037"/>
+            <a:ext cx="6508239" cy="1631216"/>
           </a:xfrm>
           <a:prstGeom prst="rect">
             <a:avLst/>
@@ -8496,7 +11189,7 @@
           <p:nvPr>
             <p:extLst>
               <p:ext uri="{D42A27DB-BD31-4B8C-83A1-F6EECF244321}">
-                <p14:modId xmlns:p14="http://schemas.microsoft.com/office/powerpoint/2010/main" val="2138881207"/>
+                <p14:modId xmlns:p14="http://schemas.microsoft.com/office/powerpoint/2010/main" val="1047731998"/>
               </p:ext>
             </p:extLst>
           </p:nvPr>
@@ -8511,12 +11204,410 @@
           </a:graphicData>
         </a:graphic>
       </p:graphicFrame>
+      <p:sp>
+        <p:nvSpPr>
+          <p:cNvPr id="58" name="TextBox 57">
+            <a:extLst>
+              <a:ext uri="{FF2B5EF4-FFF2-40B4-BE49-F238E27FC236}">
+                <a16:creationId xmlns:a16="http://schemas.microsoft.com/office/drawing/2014/main" id="{B5538372-DBA7-6580-A4E9-E770BB228F76}"/>
+              </a:ext>
+            </a:extLst>
+          </p:cNvPr>
+          <p:cNvSpPr txBox="1"/>
+          <p:nvPr/>
+        </p:nvSpPr>
+        <p:spPr>
+          <a:xfrm>
+            <a:off x="65225" y="5857285"/>
+            <a:ext cx="2369888" cy="923330"/>
+          </a:xfrm>
+          <a:prstGeom prst="rect">
+            <a:avLst/>
+          </a:prstGeom>
+          <a:noFill/>
+        </p:spPr>
+        <p:txBody>
+          <a:bodyPr wrap="square" rtlCol="0">
+            <a:spAutoFit/>
+          </a:bodyPr>
+          <a:lstStyle/>
+          <a:p>
+            <a:r>
+              <a:rPr lang="en-GB" sz="1600" dirty="0"/>
+              <a:t>BIOMEDICAL RESEARCH:</a:t>
+            </a:r>
+          </a:p>
+          <a:p>
+            <a:pPr marL="285750" indent="-285750">
+              <a:buFont typeface="Arial" panose="020B0604020202020204" pitchFamily="34" charset="0"/>
+              <a:buChar char="•"/>
+            </a:pPr>
+            <a:r>
+              <a:rPr lang="en-GB" sz="1200" dirty="0"/>
+              <a:t>Image processing</a:t>
+            </a:r>
+          </a:p>
+          <a:p>
+            <a:pPr marL="285750" indent="-285750">
+              <a:buFont typeface="Arial" panose="020B0604020202020204" pitchFamily="34" charset="0"/>
+              <a:buChar char="•"/>
+            </a:pPr>
+            <a:r>
+              <a:rPr lang="en-GB" sz="1200" dirty="0"/>
+              <a:t>Signal processing</a:t>
+            </a:r>
+          </a:p>
+          <a:p>
+            <a:pPr marL="285750" indent="-285750">
+              <a:buFont typeface="Arial" panose="020B0604020202020204" pitchFamily="34" charset="0"/>
+              <a:buChar char="•"/>
+            </a:pPr>
+            <a:r>
+              <a:rPr lang="en-GB" sz="1200" dirty="0"/>
+              <a:t>Genomics</a:t>
+            </a:r>
+          </a:p>
+        </p:txBody>
+      </p:sp>
+      <p:sp>
+        <p:nvSpPr>
+          <p:cNvPr id="4" name="TextBox 3">
+            <a:extLst>
+              <a:ext uri="{FF2B5EF4-FFF2-40B4-BE49-F238E27FC236}">
+                <a16:creationId xmlns:a16="http://schemas.microsoft.com/office/drawing/2014/main" id="{102DA4A0-D506-577E-6925-F980249C2582}"/>
+              </a:ext>
+            </a:extLst>
+          </p:cNvPr>
+          <p:cNvSpPr txBox="1"/>
+          <p:nvPr/>
+        </p:nvSpPr>
+        <p:spPr>
+          <a:xfrm>
+            <a:off x="8477824" y="3103651"/>
+            <a:ext cx="3582715" cy="2062103"/>
+          </a:xfrm>
+          <a:prstGeom prst="rect">
+            <a:avLst/>
+          </a:prstGeom>
+          <a:noFill/>
+        </p:spPr>
+        <p:txBody>
+          <a:bodyPr wrap="square" rtlCol="0">
+            <a:spAutoFit/>
+          </a:bodyPr>
+          <a:lstStyle/>
+          <a:p>
+            <a:r>
+              <a:rPr lang="en-GB" sz="1600" dirty="0"/>
+              <a:t>DISEASE-CENTERED TO PATIENT-CENTERED CARE</a:t>
+            </a:r>
+          </a:p>
+          <a:p>
+            <a:r>
+              <a:rPr lang="en-GB" sz="1200" dirty="0"/>
+              <a:t>Patient-</a:t>
+            </a:r>
+            <a:r>
+              <a:rPr lang="en-GB" sz="1200" dirty="0" err="1"/>
+              <a:t>centered</a:t>
+            </a:r>
+            <a:r>
+              <a:rPr lang="en-GB" sz="1200" dirty="0"/>
+              <a:t> - decisions are guided by data and individual needs</a:t>
+            </a:r>
+          </a:p>
+          <a:p>
+            <a:r>
+              <a:rPr lang="en-GB" sz="1200" dirty="0"/>
+              <a:t>Disease-</a:t>
+            </a:r>
+            <a:r>
+              <a:rPr lang="en-GB" sz="1200" dirty="0" err="1"/>
+              <a:t>centered</a:t>
+            </a:r>
+            <a:r>
+              <a:rPr lang="en-GB" sz="1200" dirty="0"/>
+              <a:t> - heavy reliance on medical evidence, clinical expertise &amp; diagnostic tests</a:t>
+            </a:r>
+          </a:p>
+          <a:p>
+            <a:endParaRPr lang="en-GB" sz="1200" dirty="0"/>
+          </a:p>
+          <a:p>
+            <a:r>
+              <a:rPr lang="en-GB" sz="1200" i="1" dirty="0"/>
+              <a:t>Predictive models can now predict the early signs of diabetes or heart disease by combining genetic data with patient lifestyle information</a:t>
+            </a:r>
+          </a:p>
+        </p:txBody>
+      </p:sp>
+      <p:graphicFrame>
+        <p:nvGraphicFramePr>
+          <p:cNvPr id="6" name="Diagram 5">
+            <a:extLst>
+              <a:ext uri="{FF2B5EF4-FFF2-40B4-BE49-F238E27FC236}">
+                <a16:creationId xmlns:a16="http://schemas.microsoft.com/office/drawing/2014/main" id="{53564ED5-E9DE-0755-FF90-9A1E9482865D}"/>
+              </a:ext>
+            </a:extLst>
+          </p:cNvPr>
+          <p:cNvGraphicFramePr/>
+          <p:nvPr>
+            <p:extLst>
+              <p:ext uri="{D42A27DB-BD31-4B8C-83A1-F6EECF244321}">
+                <p14:modId xmlns:p14="http://schemas.microsoft.com/office/powerpoint/2010/main" val="1432678345"/>
+              </p:ext>
+            </p:extLst>
+          </p:nvPr>
+        </p:nvGraphicFramePr>
+        <p:xfrm>
+          <a:off x="84974" y="3017887"/>
+          <a:ext cx="4767969" cy="2919583"/>
+        </p:xfrm>
+        <a:graphic>
+          <a:graphicData uri="http://schemas.openxmlformats.org/drawingml/2006/diagram">
+            <dgm:relIds xmlns:dgm="http://schemas.openxmlformats.org/drawingml/2006/diagram" xmlns:r="http://schemas.openxmlformats.org/officeDocument/2006/relationships" r:dm="rId13" r:lo="rId14" r:qs="rId15" r:cs="rId16"/>
+          </a:graphicData>
+        </a:graphic>
+      </p:graphicFrame>
+      <p:graphicFrame>
+        <p:nvGraphicFramePr>
+          <p:cNvPr id="8" name="Table 7">
+            <a:extLst>
+              <a:ext uri="{FF2B5EF4-FFF2-40B4-BE49-F238E27FC236}">
+                <a16:creationId xmlns:a16="http://schemas.microsoft.com/office/drawing/2014/main" id="{F1033518-3678-B7D9-BFDF-412A95C5707D}"/>
+              </a:ext>
+            </a:extLst>
+          </p:cNvPr>
+          <p:cNvGraphicFramePr>
+            <a:graphicFrameLocks noGrp="1"/>
+          </p:cNvGraphicFramePr>
+          <p:nvPr>
+            <p:extLst>
+              <p:ext uri="{D42A27DB-BD31-4B8C-83A1-F6EECF244321}">
+                <p14:modId xmlns:p14="http://schemas.microsoft.com/office/powerpoint/2010/main" val="2731490111"/>
+              </p:ext>
+            </p:extLst>
+          </p:nvPr>
+        </p:nvGraphicFramePr>
+        <p:xfrm>
+          <a:off x="8363915" y="640716"/>
+          <a:ext cx="3696624" cy="2176780"/>
+        </p:xfrm>
+        <a:graphic>
+          <a:graphicData uri="http://schemas.openxmlformats.org/drawingml/2006/table">
+            <a:tbl>
+              <a:tblPr firstRow="1" bandRow="1">
+                <a:tableStyleId>{5C22544A-7EE6-4342-B048-85BDC9FD1C3A}</a:tableStyleId>
+              </a:tblPr>
+              <a:tblGrid>
+                <a:gridCol w="1379847">
+                  <a:extLst>
+                    <a:ext uri="{9D8B030D-6E8A-4147-A177-3AD203B41FA5}">
+                      <a16:colId xmlns:a16="http://schemas.microsoft.com/office/drawing/2014/main" val="2254450347"/>
+                    </a:ext>
+                  </a:extLst>
+                </a:gridCol>
+                <a:gridCol w="2316777">
+                  <a:extLst>
+                    <a:ext uri="{9D8B030D-6E8A-4147-A177-3AD203B41FA5}">
+                      <a16:colId xmlns:a16="http://schemas.microsoft.com/office/drawing/2014/main" val="3035643503"/>
+                    </a:ext>
+                  </a:extLst>
+                </a:gridCol>
+              </a:tblGrid>
+              <a:tr h="370840">
+                <a:tc>
+                  <a:txBody>
+                    <a:bodyPr/>
+                    <a:lstStyle/>
+                    <a:p>
+                      <a:r>
+                        <a:rPr lang="en-GB" sz="1050" dirty="0"/>
+                        <a:t>Technology</a:t>
+                      </a:r>
+                    </a:p>
+                  </a:txBody>
+                  <a:tcPr/>
+                </a:tc>
+                <a:tc>
+                  <a:txBody>
+                    <a:bodyPr/>
+                    <a:lstStyle/>
+                    <a:p>
+                      <a:r>
+                        <a:rPr lang="en-GB" sz="1050" dirty="0"/>
+                        <a:t>Function</a:t>
+                      </a:r>
+                    </a:p>
+                  </a:txBody>
+                  <a:tcPr/>
+                </a:tc>
+                <a:extLst>
+                  <a:ext uri="{0D108BD9-81ED-4DB2-BD59-A6C34878D82A}">
+                    <a16:rowId xmlns:a16="http://schemas.microsoft.com/office/drawing/2014/main" val="839534114"/>
+                  </a:ext>
+                </a:extLst>
+              </a:tr>
+              <a:tr h="370840">
+                <a:tc>
+                  <a:txBody>
+                    <a:bodyPr/>
+                    <a:lstStyle/>
+                    <a:p>
+                      <a:r>
+                        <a:rPr lang="en-GB" sz="1050" dirty="0"/>
+                        <a:t>NoSQL</a:t>
+                      </a:r>
+                    </a:p>
+                  </a:txBody>
+                  <a:tcPr/>
+                </a:tc>
+                <a:tc>
+                  <a:txBody>
+                    <a:bodyPr/>
+                    <a:lstStyle/>
+                    <a:p>
+                      <a:r>
+                        <a:rPr lang="en-GB" sz="1050" dirty="0"/>
+                        <a:t>Unstructured &amp; semi-structured</a:t>
+                      </a:r>
+                    </a:p>
+                    <a:p>
+                      <a:r>
+                        <a:rPr lang="en-GB" sz="1050" i="1" dirty="0"/>
+                        <a:t>Netflix user data</a:t>
+                      </a:r>
+                    </a:p>
+                  </a:txBody>
+                  <a:tcPr/>
+                </a:tc>
+                <a:extLst>
+                  <a:ext uri="{0D108BD9-81ED-4DB2-BD59-A6C34878D82A}">
+                    <a16:rowId xmlns:a16="http://schemas.microsoft.com/office/drawing/2014/main" val="3734300440"/>
+                  </a:ext>
+                </a:extLst>
+              </a:tr>
+              <a:tr h="370840">
+                <a:tc>
+                  <a:txBody>
+                    <a:bodyPr/>
+                    <a:lstStyle/>
+                    <a:p>
+                      <a:r>
+                        <a:rPr lang="en-GB" sz="1050" dirty="0"/>
+                        <a:t>MongoDB</a:t>
+                      </a:r>
+                    </a:p>
+                  </a:txBody>
+                  <a:tcPr/>
+                </a:tc>
+                <a:tc>
+                  <a:txBody>
+                    <a:bodyPr/>
+                    <a:lstStyle/>
+                    <a:p>
+                      <a:r>
+                        <a:rPr lang="en-GB" sz="1050" dirty="0"/>
+                        <a:t>Stores data in JSON-like structures</a:t>
+                      </a:r>
+                    </a:p>
+                    <a:p>
+                      <a:r>
+                        <a:rPr lang="en-GB" sz="1050" i="1" dirty="0"/>
+                        <a:t>Social media, IoT, multimedia data</a:t>
+                      </a:r>
+                    </a:p>
+                  </a:txBody>
+                  <a:tcPr/>
+                </a:tc>
+                <a:extLst>
+                  <a:ext uri="{0D108BD9-81ED-4DB2-BD59-A6C34878D82A}">
+                    <a16:rowId xmlns:a16="http://schemas.microsoft.com/office/drawing/2014/main" val="2563981686"/>
+                  </a:ext>
+                </a:extLst>
+              </a:tr>
+              <a:tr h="370840">
+                <a:tc>
+                  <a:txBody>
+                    <a:bodyPr/>
+                    <a:lstStyle/>
+                    <a:p>
+                      <a:r>
+                        <a:rPr lang="en-GB" sz="1050" dirty="0"/>
+                        <a:t>Hadoop Clusters</a:t>
+                      </a:r>
+                    </a:p>
+                  </a:txBody>
+                  <a:tcPr/>
+                </a:tc>
+                <a:tc>
+                  <a:txBody>
+                    <a:bodyPr/>
+                    <a:lstStyle/>
+                    <a:p>
+                      <a:r>
+                        <a:rPr lang="en-GB" sz="1050" dirty="0"/>
+                        <a:t>Distributed storage &amp;  processing</a:t>
+                      </a:r>
+                    </a:p>
+                    <a:p>
+                      <a:r>
+                        <a:rPr lang="en-GB" sz="1050" i="1" dirty="0"/>
+                        <a:t>Banking &amp; telecom for large scale trend detection</a:t>
+                      </a:r>
+                    </a:p>
+                  </a:txBody>
+                  <a:tcPr/>
+                </a:tc>
+                <a:extLst>
+                  <a:ext uri="{0D108BD9-81ED-4DB2-BD59-A6C34878D82A}">
+                    <a16:rowId xmlns:a16="http://schemas.microsoft.com/office/drawing/2014/main" val="2614569709"/>
+                  </a:ext>
+                </a:extLst>
+              </a:tr>
+              <a:tr h="370840">
+                <a:tc>
+                  <a:txBody>
+                    <a:bodyPr/>
+                    <a:lstStyle/>
+                    <a:p>
+                      <a:r>
+                        <a:rPr lang="en-GB" sz="1050" dirty="0"/>
+                        <a:t>Autonomous data systems</a:t>
+                      </a:r>
+                    </a:p>
+                  </a:txBody>
+                  <a:tcPr/>
+                </a:tc>
+                <a:tc>
+                  <a:txBody>
+                    <a:bodyPr/>
+                    <a:lstStyle/>
+                    <a:p>
+                      <a:r>
+                        <a:rPr lang="en-GB" sz="1050" dirty="0"/>
+                        <a:t>AI managed systems that self-optimize for storage, performance</a:t>
+                      </a:r>
+                    </a:p>
+                  </a:txBody>
+                  <a:tcPr/>
+                </a:tc>
+                <a:extLst>
+                  <a:ext uri="{0D108BD9-81ED-4DB2-BD59-A6C34878D82A}">
+                    <a16:rowId xmlns:a16="http://schemas.microsoft.com/office/drawing/2014/main" val="1222289653"/>
+                  </a:ext>
+                </a:extLst>
+              </a:tr>
+            </a:tbl>
+          </a:graphicData>
+        </a:graphic>
+      </p:graphicFrame>
       <p:grpSp>
         <p:nvGrpSpPr>
-          <p:cNvPr id="50" name="Group 49">
+          <p:cNvPr id="13" name="Group 12">
             <a:extLst>
               <a:ext uri="{FF2B5EF4-FFF2-40B4-BE49-F238E27FC236}">
-                <a16:creationId xmlns:a16="http://schemas.microsoft.com/office/drawing/2014/main" id="{61054D9A-D21A-26D7-5969-5ED9B635316B}"/>
+                <a16:creationId xmlns:a16="http://schemas.microsoft.com/office/drawing/2014/main" id="{DA51F529-37D4-825E-B1F8-0779112F57D5}"/>
               </a:ext>
             </a:extLst>
           </p:cNvPr>
@@ -8525,12 +11616,232 @@
         </p:nvGrpSpPr>
         <p:grpSpPr>
           <a:xfrm>
-            <a:off x="8273966" y="957171"/>
-            <a:ext cx="2195778" cy="360000"/>
-            <a:chOff x="8080336" y="829363"/>
-            <a:chExt cx="2195778" cy="360000"/>
+            <a:off x="5598343" y="3037383"/>
+            <a:ext cx="2772364" cy="2167654"/>
+            <a:chOff x="5635713" y="3037383"/>
+            <a:chExt cx="2772364" cy="2167654"/>
           </a:xfrm>
         </p:grpSpPr>
+        <p:sp>
+          <p:nvSpPr>
+            <p:cNvPr id="54" name="Rectangle: Rounded Corners 53">
+              <a:extLst>
+                <a:ext uri="{FF2B5EF4-FFF2-40B4-BE49-F238E27FC236}">
+                  <a16:creationId xmlns:a16="http://schemas.microsoft.com/office/drawing/2014/main" id="{3EE30840-080F-8FBF-355B-774F84D831F0}"/>
+                </a:ext>
+              </a:extLst>
+            </p:cNvPr>
+            <p:cNvSpPr/>
+            <p:nvPr/>
+          </p:nvSpPr>
+          <p:spPr>
+            <a:xfrm>
+              <a:off x="5635713" y="3382813"/>
+              <a:ext cx="2772364" cy="411109"/>
+            </a:xfrm>
+            <a:prstGeom prst="roundRect">
+              <a:avLst/>
+            </a:prstGeom>
+            <a:solidFill>
+              <a:schemeClr val="tx2">
+                <a:lumMod val="10000"/>
+                <a:lumOff val="90000"/>
+              </a:schemeClr>
+            </a:solidFill>
+            <a:ln>
+              <a:noFill/>
+            </a:ln>
+          </p:spPr>
+          <p:style>
+            <a:lnRef idx="2">
+              <a:schemeClr val="accent1">
+                <a:shade val="15000"/>
+              </a:schemeClr>
+            </a:lnRef>
+            <a:fillRef idx="1">
+              <a:schemeClr val="accent1"/>
+            </a:fillRef>
+            <a:effectRef idx="0">
+              <a:schemeClr val="accent1"/>
+            </a:effectRef>
+            <a:fontRef idx="minor">
+              <a:schemeClr val="lt1"/>
+            </a:fontRef>
+          </p:style>
+          <p:txBody>
+            <a:bodyPr rtlCol="0" anchor="ctr"/>
+            <a:lstStyle/>
+            <a:p>
+              <a:pPr algn="ctr"/>
+              <a:endParaRPr lang="en-GB"/>
+            </a:p>
+          </p:txBody>
+        </p:sp>
+        <p:sp>
+          <p:nvSpPr>
+            <p:cNvPr id="55" name="Rectangle: Rounded Corners 54">
+              <a:extLst>
+                <a:ext uri="{FF2B5EF4-FFF2-40B4-BE49-F238E27FC236}">
+                  <a16:creationId xmlns:a16="http://schemas.microsoft.com/office/drawing/2014/main" id="{26EB9174-C92D-6A62-37F4-2D03733C3858}"/>
+                </a:ext>
+              </a:extLst>
+            </p:cNvPr>
+            <p:cNvSpPr/>
+            <p:nvPr/>
+          </p:nvSpPr>
+          <p:spPr>
+            <a:xfrm>
+              <a:off x="5635713" y="3842759"/>
+              <a:ext cx="2772364" cy="411109"/>
+            </a:xfrm>
+            <a:prstGeom prst="roundRect">
+              <a:avLst/>
+            </a:prstGeom>
+            <a:solidFill>
+              <a:schemeClr val="tx2">
+                <a:lumMod val="10000"/>
+                <a:lumOff val="90000"/>
+              </a:schemeClr>
+            </a:solidFill>
+            <a:ln>
+              <a:noFill/>
+            </a:ln>
+          </p:spPr>
+          <p:style>
+            <a:lnRef idx="2">
+              <a:schemeClr val="accent1">
+                <a:shade val="15000"/>
+              </a:schemeClr>
+            </a:lnRef>
+            <a:fillRef idx="1">
+              <a:schemeClr val="accent1"/>
+            </a:fillRef>
+            <a:effectRef idx="0">
+              <a:schemeClr val="accent1"/>
+            </a:effectRef>
+            <a:fontRef idx="minor">
+              <a:schemeClr val="lt1"/>
+            </a:fontRef>
+          </p:style>
+          <p:txBody>
+            <a:bodyPr rtlCol="0" anchor="ctr"/>
+            <a:lstStyle/>
+            <a:p>
+              <a:pPr algn="ctr"/>
+              <a:endParaRPr lang="en-GB"/>
+            </a:p>
+          </p:txBody>
+        </p:sp>
+        <p:sp>
+          <p:nvSpPr>
+            <p:cNvPr id="56" name="Rectangle: Rounded Corners 55">
+              <a:extLst>
+                <a:ext uri="{FF2B5EF4-FFF2-40B4-BE49-F238E27FC236}">
+                  <a16:creationId xmlns:a16="http://schemas.microsoft.com/office/drawing/2014/main" id="{51E5171C-BBBF-886D-4A98-6BACEC7E39A6}"/>
+                </a:ext>
+              </a:extLst>
+            </p:cNvPr>
+            <p:cNvSpPr/>
+            <p:nvPr/>
+          </p:nvSpPr>
+          <p:spPr>
+            <a:xfrm>
+              <a:off x="5635713" y="4302705"/>
+              <a:ext cx="2772364" cy="411109"/>
+            </a:xfrm>
+            <a:prstGeom prst="roundRect">
+              <a:avLst/>
+            </a:prstGeom>
+            <a:solidFill>
+              <a:schemeClr val="tx2">
+                <a:lumMod val="10000"/>
+                <a:lumOff val="90000"/>
+              </a:schemeClr>
+            </a:solidFill>
+            <a:ln>
+              <a:noFill/>
+            </a:ln>
+          </p:spPr>
+          <p:style>
+            <a:lnRef idx="2">
+              <a:schemeClr val="accent1">
+                <a:shade val="15000"/>
+              </a:schemeClr>
+            </a:lnRef>
+            <a:fillRef idx="1">
+              <a:schemeClr val="accent1"/>
+            </a:fillRef>
+            <a:effectRef idx="0">
+              <a:schemeClr val="accent1"/>
+            </a:effectRef>
+            <a:fontRef idx="minor">
+              <a:schemeClr val="lt1"/>
+            </a:fontRef>
+          </p:style>
+          <p:txBody>
+            <a:bodyPr rtlCol="0" anchor="ctr"/>
+            <a:lstStyle/>
+            <a:p>
+              <a:pPr algn="ctr"/>
+              <a:endParaRPr lang="en-GB"/>
+            </a:p>
+          </p:txBody>
+        </p:sp>
+        <p:sp>
+          <p:nvSpPr>
+            <p:cNvPr id="57" name="Rectangle: Rounded Corners 56">
+              <a:extLst>
+                <a:ext uri="{FF2B5EF4-FFF2-40B4-BE49-F238E27FC236}">
+                  <a16:creationId xmlns:a16="http://schemas.microsoft.com/office/drawing/2014/main" id="{7A6401EE-BE40-EDCF-E02A-A3DAEF382676}"/>
+                </a:ext>
+              </a:extLst>
+            </p:cNvPr>
+            <p:cNvSpPr/>
+            <p:nvPr/>
+          </p:nvSpPr>
+          <p:spPr>
+            <a:xfrm>
+              <a:off x="5635713" y="4762650"/>
+              <a:ext cx="2772364" cy="411109"/>
+            </a:xfrm>
+            <a:prstGeom prst="roundRect">
+              <a:avLst/>
+            </a:prstGeom>
+            <a:solidFill>
+              <a:schemeClr val="tx2">
+                <a:lumMod val="10000"/>
+                <a:lumOff val="90000"/>
+              </a:schemeClr>
+            </a:solidFill>
+            <a:ln>
+              <a:noFill/>
+            </a:ln>
+          </p:spPr>
+          <p:style>
+            <a:lnRef idx="2">
+              <a:schemeClr val="accent1">
+                <a:shade val="15000"/>
+              </a:schemeClr>
+            </a:lnRef>
+            <a:fillRef idx="1">
+              <a:schemeClr val="accent1"/>
+            </a:fillRef>
+            <a:effectRef idx="0">
+              <a:schemeClr val="accent1"/>
+            </a:effectRef>
+            <a:fontRef idx="minor">
+              <a:schemeClr val="lt1"/>
+            </a:fontRef>
+          </p:style>
+          <p:txBody>
+            <a:bodyPr rtlCol="0" anchor="ctr"/>
+            <a:lstStyle/>
+            <a:p>
+              <a:pPr algn="ctr"/>
+              <a:endParaRPr lang="en-GB"/>
+            </a:p>
+          </p:txBody>
+        </p:sp>
         <p:pic>
           <p:nvPicPr>
             <p:cNvPr id="42" name="Graphic 41" descr="Database with solid fill">
@@ -8546,10 +11857,10 @@
             <p:nvPr/>
           </p:nvPicPr>
           <p:blipFill>
-            <a:blip r:embed="rId13">
+            <a:blip r:embed="rId18">
               <a:extLst>
                 <a:ext uri="{96DAC541-7B7A-43D3-8B79-37D633B846F1}">
-                  <asvg:svgBlip xmlns:asvg="http://schemas.microsoft.com/office/drawing/2016/SVG/main" r:embed="rId14"/>
+                  <asvg:svgBlip xmlns:asvg="http://schemas.microsoft.com/office/drawing/2016/SVG/main" r:embed="rId19"/>
                 </a:ext>
               </a:extLst>
             </a:blip>
@@ -8559,8 +11870,8 @@
           </p:blipFill>
           <p:spPr>
             <a:xfrm>
-              <a:off x="8080336" y="829363"/>
-              <a:ext cx="360000" cy="360000"/>
+              <a:off x="5704785" y="3429039"/>
+              <a:ext cx="255824" cy="318656"/>
             </a:xfrm>
             <a:prstGeom prst="rect">
               <a:avLst/>
@@ -8581,8 +11892,8 @@
           </p:nvSpPr>
           <p:spPr>
             <a:xfrm>
-              <a:off x="8535593" y="862215"/>
-              <a:ext cx="1740521" cy="276999"/>
+              <a:off x="6028301" y="3458119"/>
+              <a:ext cx="2298275" cy="252460"/>
             </a:xfrm>
             <a:prstGeom prst="rect">
               <a:avLst/>
@@ -8602,27 +11913,6 @@
             </a:p>
           </p:txBody>
         </p:sp>
-      </p:grpSp>
-      <p:grpSp>
-        <p:nvGrpSpPr>
-          <p:cNvPr id="51" name="Group 50">
-            <a:extLst>
-              <a:ext uri="{FF2B5EF4-FFF2-40B4-BE49-F238E27FC236}">
-                <a16:creationId xmlns:a16="http://schemas.microsoft.com/office/drawing/2014/main" id="{E56094AA-D493-7640-737B-3B553ED0645B}"/>
-              </a:ext>
-            </a:extLst>
-          </p:cNvPr>
-          <p:cNvGrpSpPr/>
-          <p:nvPr/>
-        </p:nvGrpSpPr>
-        <p:grpSpPr>
-          <a:xfrm>
-            <a:off x="8273966" y="1464757"/>
-            <a:ext cx="2848921" cy="360000"/>
-            <a:chOff x="8080336" y="1336949"/>
-            <a:chExt cx="2848921" cy="360000"/>
-          </a:xfrm>
-        </p:grpSpPr>
         <p:pic>
           <p:nvPicPr>
             <p:cNvPr id="40" name="Graphic 39" descr="Upload with solid fill">
@@ -8638,10 +11928,10 @@
             <p:nvPr/>
           </p:nvPicPr>
           <p:blipFill>
-            <a:blip r:embed="rId15">
+            <a:blip r:embed="rId20">
               <a:extLst>
                 <a:ext uri="{96DAC541-7B7A-43D3-8B79-37D633B846F1}">
-                  <asvg:svgBlip xmlns:asvg="http://schemas.microsoft.com/office/drawing/2016/SVG/main" r:embed="rId16"/>
+                  <asvg:svgBlip xmlns:asvg="http://schemas.microsoft.com/office/drawing/2016/SVG/main" r:embed="rId21"/>
                 </a:ext>
               </a:extLst>
             </a:blip>
@@ -8651,8 +11941,8 @@
           </p:blipFill>
           <p:spPr>
             <a:xfrm>
-              <a:off x="8080336" y="1336949"/>
-              <a:ext cx="360000" cy="360000"/>
+              <a:off x="5704785" y="3878332"/>
+              <a:ext cx="255824" cy="318656"/>
             </a:xfrm>
             <a:prstGeom prst="rect">
               <a:avLst/>
@@ -8673,8 +11963,8 @@
           </p:nvSpPr>
           <p:spPr>
             <a:xfrm>
-              <a:off x="8595439" y="1369755"/>
-              <a:ext cx="2333818" cy="276999"/>
+              <a:off x="6035609" y="3953183"/>
+              <a:ext cx="2247481" cy="245187"/>
             </a:xfrm>
             <a:prstGeom prst="rect">
               <a:avLst/>
@@ -8694,27 +11984,6 @@
             </a:p>
           </p:txBody>
         </p:sp>
-      </p:grpSp>
-      <p:grpSp>
-        <p:nvGrpSpPr>
-          <p:cNvPr id="52" name="Group 51">
-            <a:extLst>
-              <a:ext uri="{FF2B5EF4-FFF2-40B4-BE49-F238E27FC236}">
-                <a16:creationId xmlns:a16="http://schemas.microsoft.com/office/drawing/2014/main" id="{D2D72AFA-B30E-6D58-04E5-92698080971B}"/>
-              </a:ext>
-            </a:extLst>
-          </p:cNvPr>
-          <p:cNvGrpSpPr/>
-          <p:nvPr/>
-        </p:nvGrpSpPr>
-        <p:grpSpPr>
-          <a:xfrm>
-            <a:off x="8284253" y="2006747"/>
-            <a:ext cx="2630459" cy="360000"/>
-            <a:chOff x="8080336" y="1814388"/>
-            <a:chExt cx="2630459" cy="360000"/>
-          </a:xfrm>
-        </p:grpSpPr>
         <p:pic>
           <p:nvPicPr>
             <p:cNvPr id="38" name="Graphic 37" descr="Internet with solid fill">
@@ -8730,10 +11999,10 @@
             <p:nvPr/>
           </p:nvPicPr>
           <p:blipFill>
-            <a:blip r:embed="rId17">
+            <a:blip r:embed="rId22">
               <a:extLst>
                 <a:ext uri="{96DAC541-7B7A-43D3-8B79-37D633B846F1}">
-                  <asvg:svgBlip xmlns:asvg="http://schemas.microsoft.com/office/drawing/2016/SVG/main" r:embed="rId18"/>
+                  <asvg:svgBlip xmlns:asvg="http://schemas.microsoft.com/office/drawing/2016/SVG/main" r:embed="rId23"/>
                 </a:ext>
               </a:extLst>
             </a:blip>
@@ -8743,8 +12012,8 @@
           </p:blipFill>
           <p:spPr>
             <a:xfrm>
-              <a:off x="8080336" y="1814388"/>
-              <a:ext cx="360000" cy="360000"/>
+              <a:off x="5712096" y="4358078"/>
+              <a:ext cx="255824" cy="318656"/>
             </a:xfrm>
             <a:prstGeom prst="rect">
               <a:avLst/>
@@ -8765,8 +12034,8 @@
           </p:nvSpPr>
           <p:spPr>
             <a:xfrm>
-              <a:off x="8535593" y="1814388"/>
-              <a:ext cx="2175202" cy="276999"/>
+              <a:off x="6044303" y="4397730"/>
+              <a:ext cx="2282698" cy="245187"/>
             </a:xfrm>
             <a:prstGeom prst="rect">
               <a:avLst/>
@@ -8786,27 +12055,6 @@
             </a:p>
           </p:txBody>
         </p:sp>
-      </p:grpSp>
-      <p:grpSp>
-        <p:nvGrpSpPr>
-          <p:cNvPr id="53" name="Group 52">
-            <a:extLst>
-              <a:ext uri="{FF2B5EF4-FFF2-40B4-BE49-F238E27FC236}">
-                <a16:creationId xmlns:a16="http://schemas.microsoft.com/office/drawing/2014/main" id="{DCF8E725-4D31-AA0D-DF3A-366DBB909FF0}"/>
-              </a:ext>
-            </a:extLst>
-          </p:cNvPr>
-          <p:cNvGrpSpPr/>
-          <p:nvPr/>
-        </p:nvGrpSpPr>
-        <p:grpSpPr>
-          <a:xfrm>
-            <a:off x="8303889" y="2501928"/>
-            <a:ext cx="2165855" cy="360000"/>
-            <a:chOff x="8110259" y="2321928"/>
-            <a:chExt cx="2165855" cy="360000"/>
-          </a:xfrm>
-        </p:grpSpPr>
         <p:pic>
           <p:nvPicPr>
             <p:cNvPr id="45" name="Graphic 44" descr="Server with solid fill">
@@ -8835,8 +12083,8 @@
           </p:blipFill>
           <p:spPr>
             <a:xfrm>
-              <a:off x="8110259" y="2321928"/>
-              <a:ext cx="360000" cy="360000"/>
+              <a:off x="5726049" y="4796391"/>
+              <a:ext cx="255824" cy="318656"/>
             </a:xfrm>
             <a:prstGeom prst="rect">
               <a:avLst/>
@@ -8857,8 +12105,43 @@
           </p:nvSpPr>
           <p:spPr>
             <a:xfrm>
-              <a:off x="8595439" y="2321928"/>
-              <a:ext cx="1680675" cy="276999"/>
+              <a:off x="6070829" y="4796391"/>
+              <a:ext cx="2255747" cy="408646"/>
+            </a:xfrm>
+            <a:prstGeom prst="rect">
+              <a:avLst/>
+            </a:prstGeom>
+            <a:noFill/>
+          </p:spPr>
+          <p:txBody>
+            <a:bodyPr wrap="square" rtlCol="0">
+              <a:spAutoFit/>
+            </a:bodyPr>
+            <a:lstStyle/>
+            <a:p>
+              <a:endParaRPr lang="en-GB" sz="1200" dirty="0"/>
+            </a:p>
+            <a:p>
+              <a:endParaRPr lang="en-GB" sz="1200" dirty="0"/>
+            </a:p>
+          </p:txBody>
+        </p:sp>
+        <p:sp>
+          <p:nvSpPr>
+            <p:cNvPr id="5" name="TextBox 4">
+              <a:extLst>
+                <a:ext uri="{FF2B5EF4-FFF2-40B4-BE49-F238E27FC236}">
+                  <a16:creationId xmlns:a16="http://schemas.microsoft.com/office/drawing/2014/main" id="{6B0C6E54-6A18-8ACA-C95C-9B384E7DCE99}"/>
+                </a:ext>
+              </a:extLst>
+            </p:cNvPr>
+            <p:cNvSpPr txBox="1"/>
+            <p:nvPr/>
+          </p:nvSpPr>
+          <p:spPr>
+            <a:xfrm>
+              <a:off x="5981873" y="4831922"/>
+              <a:ext cx="2380734" cy="276999"/>
             </a:xfrm>
             <a:prstGeom prst="rect">
               <a:avLst/>
@@ -8873,77 +12156,47 @@
             <a:p>
               <a:r>
                 <a:rPr lang="en-GB" sz="1200" dirty="0"/>
-                <a:t>Computational clusters</a:t>
+                <a:t>Complex computational clusters</a:t>
+              </a:r>
+            </a:p>
+          </p:txBody>
+        </p:sp>
+        <p:sp>
+          <p:nvSpPr>
+            <p:cNvPr id="12" name="TextBox 11">
+              <a:extLst>
+                <a:ext uri="{FF2B5EF4-FFF2-40B4-BE49-F238E27FC236}">
+                  <a16:creationId xmlns:a16="http://schemas.microsoft.com/office/drawing/2014/main" id="{B794B590-5C29-D7EE-4312-7D9EA49F25D3}"/>
+                </a:ext>
+              </a:extLst>
+            </p:cNvPr>
+            <p:cNvSpPr txBox="1"/>
+            <p:nvPr/>
+          </p:nvSpPr>
+          <p:spPr>
+            <a:xfrm>
+              <a:off x="5832697" y="3037383"/>
+              <a:ext cx="2152382" cy="307777"/>
+            </a:xfrm>
+            <a:prstGeom prst="rect">
+              <a:avLst/>
+            </a:prstGeom>
+            <a:noFill/>
+          </p:spPr>
+          <p:txBody>
+            <a:bodyPr wrap="square" rtlCol="0">
+              <a:spAutoFit/>
+            </a:bodyPr>
+            <a:lstStyle/>
+            <a:p>
+              <a:r>
+                <a:rPr lang="en-GB" sz="1400" dirty="0"/>
+                <a:t>Cognitive agents rely on:</a:t>
               </a:r>
             </a:p>
           </p:txBody>
         </p:sp>
       </p:grpSp>
-      <p:sp>
-        <p:nvSpPr>
-          <p:cNvPr id="58" name="TextBox 57">
-            <a:extLst>
-              <a:ext uri="{FF2B5EF4-FFF2-40B4-BE49-F238E27FC236}">
-                <a16:creationId xmlns:a16="http://schemas.microsoft.com/office/drawing/2014/main" id="{B5538372-DBA7-6580-A4E9-E770BB228F76}"/>
-              </a:ext>
-            </a:extLst>
-          </p:cNvPr>
-          <p:cNvSpPr txBox="1"/>
-          <p:nvPr/>
-        </p:nvSpPr>
-        <p:spPr>
-          <a:xfrm>
-            <a:off x="5370938" y="3019630"/>
-            <a:ext cx="3135086" cy="923330"/>
-          </a:xfrm>
-          <a:prstGeom prst="rect">
-            <a:avLst/>
-          </a:prstGeom>
-          <a:noFill/>
-        </p:spPr>
-        <p:txBody>
-          <a:bodyPr wrap="square" rtlCol="0">
-            <a:spAutoFit/>
-          </a:bodyPr>
-          <a:lstStyle/>
-          <a:p>
-            <a:r>
-              <a:rPr lang="en-GB" dirty="0"/>
-              <a:t>BIOMEDICAL RESEARCH:</a:t>
-            </a:r>
-          </a:p>
-          <a:p>
-            <a:pPr marL="285750" indent="-285750">
-              <a:buFont typeface="Arial" panose="020B0604020202020204" pitchFamily="34" charset="0"/>
-              <a:buChar char="•"/>
-            </a:pPr>
-            <a:r>
-              <a:rPr lang="en-GB" sz="1200" dirty="0"/>
-              <a:t>Image processing</a:t>
-            </a:r>
-          </a:p>
-          <a:p>
-            <a:pPr marL="285750" indent="-285750">
-              <a:buFont typeface="Arial" panose="020B0604020202020204" pitchFamily="34" charset="0"/>
-              <a:buChar char="•"/>
-            </a:pPr>
-            <a:r>
-              <a:rPr lang="en-GB" sz="1200" dirty="0"/>
-              <a:t>Signal processing</a:t>
-            </a:r>
-          </a:p>
-          <a:p>
-            <a:pPr marL="285750" indent="-285750">
-              <a:buFont typeface="Arial" panose="020B0604020202020204" pitchFamily="34" charset="0"/>
-              <a:buChar char="•"/>
-            </a:pPr>
-            <a:r>
-              <a:rPr lang="en-GB" sz="1200" dirty="0"/>
-              <a:t>Genomics</a:t>
-            </a:r>
-          </a:p>
-        </p:txBody>
-      </p:sp>
     </p:spTree>
     <p:extLst>
       <p:ext uri="{BB962C8B-B14F-4D97-AF65-F5344CB8AC3E}">
